--- a/论文图/nl2sqlapproach.pptx
+++ b/论文图/nl2sqlapproach.pptx
@@ -5,7 +5,7 @@
     <p:sldMasterId id="2147483648" r:id="rId1"/>
   </p:sldMasterIdLst>
   <p:sldIdLst>
-    <p:sldId id="256" r:id="rId2"/>
+    <p:sldId id="257" r:id="rId2"/>
   </p:sldIdLst>
   <p:sldSz cx="12192000" cy="6858000"/>
   <p:notesSz cx="6858000" cy="9144000"/>
@@ -244,7 +244,7 @@
             <a:fld id="{935E760F-A023-4EE4-A330-3CB652C38BC5}" type="datetimeFigureOut">
               <a:rPr lang="zh-CN" altLang="en-US" smtClean="0"/>
               <a:pPr/>
-              <a:t>2018/11/19</a:t>
+              <a:t>2018/11/28</a:t>
             </a:fld>
             <a:endParaRPr lang="zh-CN" altLang="en-US"/>
           </a:p>
@@ -416,7 +416,7 @@
             <a:fld id="{935E760F-A023-4EE4-A330-3CB652C38BC5}" type="datetimeFigureOut">
               <a:rPr lang="zh-CN" altLang="en-US" smtClean="0"/>
               <a:pPr/>
-              <a:t>2018/11/19</a:t>
+              <a:t>2018/11/28</a:t>
             </a:fld>
             <a:endParaRPr lang="zh-CN" altLang="en-US"/>
           </a:p>
@@ -598,7 +598,7 @@
             <a:fld id="{935E760F-A023-4EE4-A330-3CB652C38BC5}" type="datetimeFigureOut">
               <a:rPr lang="zh-CN" altLang="en-US" smtClean="0"/>
               <a:pPr/>
-              <a:t>2018/11/19</a:t>
+              <a:t>2018/11/28</a:t>
             </a:fld>
             <a:endParaRPr lang="zh-CN" altLang="en-US"/>
           </a:p>
@@ -770,7 +770,7 @@
             <a:fld id="{935E760F-A023-4EE4-A330-3CB652C38BC5}" type="datetimeFigureOut">
               <a:rPr lang="zh-CN" altLang="en-US" smtClean="0"/>
               <a:pPr/>
-              <a:t>2018/11/19</a:t>
+              <a:t>2018/11/28</a:t>
             </a:fld>
             <a:endParaRPr lang="zh-CN" altLang="en-US"/>
           </a:p>
@@ -1018,7 +1018,7 @@
             <a:fld id="{935E760F-A023-4EE4-A330-3CB652C38BC5}" type="datetimeFigureOut">
               <a:rPr lang="zh-CN" altLang="en-US" smtClean="0"/>
               <a:pPr/>
-              <a:t>2018/11/19</a:t>
+              <a:t>2018/11/28</a:t>
             </a:fld>
             <a:endParaRPr lang="zh-CN" altLang="en-US"/>
           </a:p>
@@ -1252,7 +1252,7 @@
             <a:fld id="{935E760F-A023-4EE4-A330-3CB652C38BC5}" type="datetimeFigureOut">
               <a:rPr lang="zh-CN" altLang="en-US" smtClean="0"/>
               <a:pPr/>
-              <a:t>2018/11/19</a:t>
+              <a:t>2018/11/28</a:t>
             </a:fld>
             <a:endParaRPr lang="zh-CN" altLang="en-US"/>
           </a:p>
@@ -1621,7 +1621,7 @@
             <a:fld id="{935E760F-A023-4EE4-A330-3CB652C38BC5}" type="datetimeFigureOut">
               <a:rPr lang="zh-CN" altLang="en-US" smtClean="0"/>
               <a:pPr/>
-              <a:t>2018/11/19</a:t>
+              <a:t>2018/11/28</a:t>
             </a:fld>
             <a:endParaRPr lang="zh-CN" altLang="en-US"/>
           </a:p>
@@ -1741,7 +1741,7 @@
             <a:fld id="{935E760F-A023-4EE4-A330-3CB652C38BC5}" type="datetimeFigureOut">
               <a:rPr lang="zh-CN" altLang="en-US" smtClean="0"/>
               <a:pPr/>
-              <a:t>2018/11/19</a:t>
+              <a:t>2018/11/28</a:t>
             </a:fld>
             <a:endParaRPr lang="zh-CN" altLang="en-US"/>
           </a:p>
@@ -1838,7 +1838,7 @@
             <a:fld id="{935E760F-A023-4EE4-A330-3CB652C38BC5}" type="datetimeFigureOut">
               <a:rPr lang="zh-CN" altLang="en-US" smtClean="0"/>
               <a:pPr/>
-              <a:t>2018/11/19</a:t>
+              <a:t>2018/11/28</a:t>
             </a:fld>
             <a:endParaRPr lang="zh-CN" altLang="en-US"/>
           </a:p>
@@ -2117,7 +2117,7 @@
             <a:fld id="{935E760F-A023-4EE4-A330-3CB652C38BC5}" type="datetimeFigureOut">
               <a:rPr lang="zh-CN" altLang="en-US" smtClean="0"/>
               <a:pPr/>
-              <a:t>2018/11/19</a:t>
+              <a:t>2018/11/28</a:t>
             </a:fld>
             <a:endParaRPr lang="zh-CN" altLang="en-US"/>
           </a:p>
@@ -2372,7 +2372,7 @@
             <a:fld id="{935E760F-A023-4EE4-A330-3CB652C38BC5}" type="datetimeFigureOut">
               <a:rPr lang="zh-CN" altLang="en-US" smtClean="0"/>
               <a:pPr/>
-              <a:t>2018/11/19</a:t>
+              <a:t>2018/11/28</a:t>
             </a:fld>
             <a:endParaRPr lang="zh-CN" altLang="en-US"/>
           </a:p>
@@ -2587,7 +2587,7 @@
             <a:fld id="{935E760F-A023-4EE4-A330-3CB652C38BC5}" type="datetimeFigureOut">
               <a:rPr lang="zh-CN" altLang="en-US" smtClean="0"/>
               <a:pPr/>
-              <a:t>2018/11/19</a:t>
+              <a:t>2018/11/28</a:t>
             </a:fld>
             <a:endParaRPr lang="zh-CN" altLang="en-US"/>
           </a:p>
@@ -3001,7 +3001,7 @@
         </p:nvSpPr>
         <p:spPr>
           <a:xfrm>
-            <a:off x="1907911" y="1552324"/>
+            <a:off x="8956411" y="1133224"/>
             <a:ext cx="1524000" cy="557347"/>
           </a:xfrm>
           <a:prstGeom prst="roundRect">
@@ -3069,16 +3069,17 @@
       </p:sp>
       <p:cxnSp>
         <p:nvCxnSpPr>
-          <p:cNvPr id="7" name="肘形连接符 6"/>
+          <p:cNvPr id="5" name="肘形连接符 6"/>
           <p:cNvCxnSpPr>
-            <a:stCxn id="4" idx="1"/>
+            <a:stCxn id="4" idx="3"/>
+            <a:endCxn id="34" idx="1"/>
           </p:cNvCxnSpPr>
           <p:nvPr/>
         </p:nvCxnSpPr>
         <p:spPr>
-          <a:xfrm rot="10800000" flipV="1">
-            <a:off x="955309" y="1830998"/>
-            <a:ext cx="952602" cy="458242"/>
+          <a:xfrm>
+            <a:off x="10480411" y="1411898"/>
+            <a:ext cx="500463" cy="640618"/>
           </a:xfrm>
           <a:prstGeom prst="bentConnector2">
             <a:avLst/>
@@ -3107,13 +3108,13 @@
       </p:cxnSp>
       <p:sp>
         <p:nvSpPr>
-          <p:cNvPr id="8" name="矩形 7"/>
+          <p:cNvPr id="6" name="矩形 5"/>
           <p:cNvSpPr/>
           <p:nvPr/>
         </p:nvSpPr>
         <p:spPr>
           <a:xfrm>
-            <a:off x="579104" y="1435006"/>
+            <a:off x="11132804" y="1422306"/>
             <a:ext cx="646332" cy="369332"/>
           </a:xfrm>
           <a:prstGeom prst="rect">
@@ -3138,13 +3139,13 @@
       </p:sp>
       <p:sp>
         <p:nvSpPr>
-          <p:cNvPr id="9" name="圆角矩形 8"/>
+          <p:cNvPr id="7" name="圆角矩形 6"/>
           <p:cNvSpPr/>
           <p:nvPr/>
         </p:nvSpPr>
         <p:spPr>
           <a:xfrm>
-            <a:off x="1946741" y="3009791"/>
+            <a:off x="8944441" y="2857391"/>
             <a:ext cx="1524000" cy="557347"/>
           </a:xfrm>
           <a:prstGeom prst="roundRect">
@@ -3221,13 +3222,13 @@
       </p:sp>
       <p:sp>
         <p:nvSpPr>
-          <p:cNvPr id="19" name="矩形 18"/>
+          <p:cNvPr id="8" name="矩形 7"/>
           <p:cNvSpPr/>
           <p:nvPr/>
         </p:nvSpPr>
         <p:spPr>
           <a:xfrm>
-            <a:off x="362978" y="3301260"/>
+            <a:off x="10967478" y="2729760"/>
             <a:ext cx="1107996" cy="369332"/>
           </a:xfrm>
           <a:prstGeom prst="rect">
@@ -3255,16 +3256,17 @@
       </p:sp>
       <p:cxnSp>
         <p:nvCxnSpPr>
-          <p:cNvPr id="21" name="肘形连接符 20"/>
+          <p:cNvPr id="9" name="肘形连接符 20"/>
           <p:cNvCxnSpPr>
-            <a:endCxn id="9" idx="1"/>
+            <a:stCxn id="34" idx="3"/>
+            <a:endCxn id="7" idx="3"/>
           </p:cNvCxnSpPr>
           <p:nvPr/>
         </p:nvCxnSpPr>
         <p:spPr>
-          <a:xfrm rot="16200000" flipH="1">
-            <a:off x="1251859" y="2593582"/>
-            <a:ext cx="398333" cy="991432"/>
+          <a:xfrm rot="5400000">
+            <a:off x="10514061" y="2669251"/>
+            <a:ext cx="421195" cy="512433"/>
           </a:xfrm>
           <a:prstGeom prst="bentConnector2">
             <a:avLst/>
@@ -3293,16 +3295,17 @@
       </p:cxnSp>
       <p:cxnSp>
         <p:nvCxnSpPr>
-          <p:cNvPr id="24" name="肘形连接符 23"/>
+          <p:cNvPr id="10" name="肘形连接符 23"/>
           <p:cNvCxnSpPr>
-            <a:endCxn id="9" idx="2"/>
+            <a:stCxn id="43" idx="3"/>
+            <a:endCxn id="7" idx="2"/>
           </p:cNvCxnSpPr>
           <p:nvPr/>
         </p:nvCxnSpPr>
         <p:spPr>
-          <a:xfrm rot="10800000">
-            <a:off x="2708741" y="3567138"/>
-            <a:ext cx="762000" cy="1002616"/>
+          <a:xfrm flipV="1">
+            <a:off x="8813800" y="3414738"/>
+            <a:ext cx="892641" cy="1284262"/>
           </a:xfrm>
           <a:prstGeom prst="bentConnector2">
             <a:avLst/>
@@ -3329,55 +3332,15 @@
           </a:fontRef>
         </p:style>
       </p:cxnSp>
-      <p:cxnSp>
-        <p:nvCxnSpPr>
-          <p:cNvPr id="29" name="肘形连接符 28"/>
-          <p:cNvCxnSpPr>
-            <a:endCxn id="36" idx="1"/>
-          </p:cNvCxnSpPr>
-          <p:nvPr/>
-        </p:nvCxnSpPr>
-        <p:spPr>
-          <a:xfrm flipV="1">
-            <a:off x="4859758" y="4569753"/>
-            <a:ext cx="1539943" cy="1"/>
-          </a:xfrm>
-          <a:prstGeom prst="bentConnector3">
-            <a:avLst>
-              <a:gd name="adj1" fmla="val 50000"/>
-            </a:avLst>
-          </a:prstGeom>
-          <a:ln w="19050">
-            <a:solidFill>
-              <a:schemeClr val="tx1"/>
-            </a:solidFill>
-            <a:tailEnd type="triangle"/>
-          </a:ln>
-        </p:spPr>
-        <p:style>
-          <a:lnRef idx="1">
-            <a:schemeClr val="accent1"/>
-          </a:lnRef>
-          <a:fillRef idx="0">
-            <a:schemeClr val="accent1"/>
-          </a:fillRef>
-          <a:effectRef idx="0">
-            <a:schemeClr val="accent1"/>
-          </a:effectRef>
-          <a:fontRef idx="minor">
-            <a:schemeClr val="tx1"/>
-          </a:fontRef>
-        </p:style>
-      </p:cxnSp>
-      <p:sp>
-        <p:nvSpPr>
-          <p:cNvPr id="34" name="矩形 33"/>
+      <p:sp>
+        <p:nvSpPr>
+          <p:cNvPr id="12" name="矩形 11"/>
           <p:cNvSpPr/>
           <p:nvPr/>
         </p:nvSpPr>
         <p:spPr>
           <a:xfrm>
-            <a:off x="2332457" y="4582147"/>
+            <a:off x="8961857" y="4188447"/>
             <a:ext cx="649538" cy="369332"/>
           </a:xfrm>
           <a:prstGeom prst="rect">
@@ -3405,13 +3368,13 @@
       </p:sp>
       <p:sp>
         <p:nvSpPr>
-          <p:cNvPr id="36" name="圆角矩形 35"/>
+          <p:cNvPr id="13" name="圆角矩形 12"/>
           <p:cNvSpPr/>
           <p:nvPr/>
         </p:nvSpPr>
         <p:spPr>
           <a:xfrm>
-            <a:off x="6399701" y="4346770"/>
+            <a:off x="608501" y="1870270"/>
             <a:ext cx="1524000" cy="445966"/>
           </a:xfrm>
           <a:prstGeom prst="roundRect">
@@ -3457,7 +3420,7 @@
                 </a:solidFill>
                 <a:latin typeface="+mn-ea"/>
               </a:rPr>
-              <a:t>序列表示</a:t>
+              <a:t>数据库模式</a:t>
             </a:r>
             <a:endParaRPr lang="zh-CN" altLang="en-US" dirty="0">
               <a:solidFill>
@@ -3468,96 +3431,15 @@
           </a:p>
         </p:txBody>
       </p:sp>
-      <p:cxnSp>
-        <p:nvCxnSpPr>
-          <p:cNvPr id="55" name="肘形连接符 54"/>
-          <p:cNvCxnSpPr>
-            <a:stCxn id="36" idx="0"/>
-            <a:endCxn id="37" idx="2"/>
-          </p:cNvCxnSpPr>
-          <p:nvPr/>
-        </p:nvCxnSpPr>
-        <p:spPr>
-          <a:xfrm rot="16200000" flipV="1">
-            <a:off x="6779854" y="3964922"/>
-            <a:ext cx="754986" cy="8709"/>
-          </a:xfrm>
-          <a:prstGeom prst="bentConnector3">
-            <a:avLst>
-              <a:gd name="adj1" fmla="val 400"/>
-            </a:avLst>
-          </a:prstGeom>
-          <a:ln w="19050">
-            <a:solidFill>
-              <a:schemeClr val="tx1"/>
-            </a:solidFill>
-            <a:tailEnd type="triangle"/>
-          </a:ln>
-        </p:spPr>
-        <p:style>
-          <a:lnRef idx="1">
-            <a:schemeClr val="accent1"/>
-          </a:lnRef>
-          <a:fillRef idx="0">
-            <a:schemeClr val="accent1"/>
-          </a:fillRef>
-          <a:effectRef idx="0">
-            <a:schemeClr val="accent1"/>
-          </a:effectRef>
-          <a:fontRef idx="minor">
-            <a:schemeClr val="tx1"/>
-          </a:fontRef>
-        </p:style>
-      </p:cxnSp>
-      <p:cxnSp>
-        <p:nvCxnSpPr>
-          <p:cNvPr id="61" name="肘形连接符 60"/>
-          <p:cNvCxnSpPr>
-            <a:endCxn id="4" idx="3"/>
-          </p:cNvCxnSpPr>
-          <p:nvPr/>
-        </p:nvCxnSpPr>
-        <p:spPr>
-          <a:xfrm rot="10800000" flipV="1">
-            <a:off x="3431912" y="1821882"/>
-            <a:ext cx="1755617" cy="9116"/>
-          </a:xfrm>
-          <a:prstGeom prst="bentConnector3">
-            <a:avLst>
-              <a:gd name="adj1" fmla="val -100"/>
-            </a:avLst>
-          </a:prstGeom>
-          <a:ln w="19050">
-            <a:solidFill>
-              <a:schemeClr val="tx1"/>
-            </a:solidFill>
-            <a:tailEnd type="triangle"/>
-          </a:ln>
-        </p:spPr>
-        <p:style>
-          <a:lnRef idx="1">
-            <a:schemeClr val="accent1"/>
-          </a:lnRef>
-          <a:fillRef idx="0">
-            <a:schemeClr val="accent1"/>
-          </a:fillRef>
-          <a:effectRef idx="0">
-            <a:schemeClr val="accent1"/>
-          </a:effectRef>
-          <a:fontRef idx="minor">
-            <a:schemeClr val="tx1"/>
-          </a:fontRef>
-        </p:style>
-      </p:cxnSp>
-      <p:sp>
-        <p:nvSpPr>
-          <p:cNvPr id="62" name="矩形 61"/>
+      <p:sp>
+        <p:nvSpPr>
+          <p:cNvPr id="16" name="矩形 15"/>
           <p:cNvSpPr/>
           <p:nvPr/>
         </p:nvSpPr>
         <p:spPr>
           <a:xfrm>
-            <a:off x="4005968" y="1461665"/>
+            <a:off x="8146168" y="928265"/>
             <a:ext cx="646332" cy="369332"/>
           </a:xfrm>
           <a:prstGeom prst="rect">
@@ -3580,55 +3462,15 @@
           </a:p>
         </p:txBody>
       </p:sp>
-      <p:cxnSp>
-        <p:nvCxnSpPr>
-          <p:cNvPr id="121" name="肘形连接符 120"/>
-          <p:cNvCxnSpPr>
-            <a:stCxn id="9" idx="3"/>
-          </p:cNvCxnSpPr>
-          <p:nvPr/>
-        </p:nvCxnSpPr>
-        <p:spPr>
-          <a:xfrm flipV="1">
-            <a:off x="3470741" y="3254039"/>
-            <a:ext cx="1716787" cy="34426"/>
-          </a:xfrm>
-          <a:prstGeom prst="bentConnector3">
-            <a:avLst>
-              <a:gd name="adj1" fmla="val -219"/>
-            </a:avLst>
-          </a:prstGeom>
-          <a:ln w="19050">
-            <a:solidFill>
-              <a:schemeClr val="tx1"/>
-            </a:solidFill>
-            <a:tailEnd type="triangle"/>
-          </a:ln>
-        </p:spPr>
-        <p:style>
-          <a:lnRef idx="1">
-            <a:schemeClr val="accent1"/>
-          </a:lnRef>
-          <a:fillRef idx="0">
-            <a:schemeClr val="accent1"/>
-          </a:fillRef>
-          <a:effectRef idx="0">
-            <a:schemeClr val="accent1"/>
-          </a:effectRef>
-          <a:fontRef idx="minor">
-            <a:schemeClr val="tx1"/>
-          </a:fontRef>
-        </p:style>
-      </p:cxnSp>
-      <p:sp>
-        <p:nvSpPr>
-          <p:cNvPr id="122" name="矩形 121"/>
+      <p:sp>
+        <p:nvSpPr>
+          <p:cNvPr id="18" name="矩形 17"/>
           <p:cNvSpPr/>
           <p:nvPr/>
         </p:nvSpPr>
         <p:spPr>
           <a:xfrm>
-            <a:off x="3987688" y="2884705"/>
+            <a:off x="8127888" y="2656105"/>
             <a:ext cx="646332" cy="369332"/>
           </a:xfrm>
           <a:prstGeom prst="rect">
@@ -3653,13 +3495,13 @@
       </p:sp>
       <p:cxnSp>
         <p:nvCxnSpPr>
-          <p:cNvPr id="142" name="直接连接符 141"/>
+          <p:cNvPr id="19" name="直接连接符 18"/>
           <p:cNvCxnSpPr/>
           <p:nvPr/>
         </p:nvCxnSpPr>
         <p:spPr>
           <a:xfrm>
-            <a:off x="517560" y="5651863"/>
+            <a:off x="5330860" y="5982063"/>
             <a:ext cx="6492840" cy="8708"/>
           </a:xfrm>
           <a:prstGeom prst="line">
@@ -3691,13 +3533,13 @@
       </p:cxnSp>
       <p:cxnSp>
         <p:nvCxnSpPr>
-          <p:cNvPr id="143" name="直接连接符 142"/>
+          <p:cNvPr id="20" name="直接连接符 19"/>
           <p:cNvCxnSpPr/>
           <p:nvPr/>
         </p:nvCxnSpPr>
         <p:spPr>
           <a:xfrm flipV="1">
-            <a:off x="7241309" y="5650722"/>
+            <a:off x="307109" y="5980922"/>
             <a:ext cx="4502728" cy="1141"/>
           </a:xfrm>
           <a:prstGeom prst="line">
@@ -3729,13 +3571,13 @@
       </p:cxnSp>
       <p:sp>
         <p:nvSpPr>
-          <p:cNvPr id="145" name="矩形 144"/>
+          <p:cNvPr id="21" name="矩形 20"/>
           <p:cNvSpPr/>
           <p:nvPr/>
         </p:nvSpPr>
         <p:spPr>
           <a:xfrm>
-            <a:off x="3014824" y="5745870"/>
+            <a:off x="8298024" y="6158468"/>
             <a:ext cx="646332" cy="369332"/>
           </a:xfrm>
           <a:prstGeom prst="rect">
@@ -3760,13 +3602,13 @@
       </p:sp>
       <p:sp>
         <p:nvSpPr>
-          <p:cNvPr id="146" name="矩形 145"/>
+          <p:cNvPr id="22" name="矩形 21"/>
           <p:cNvSpPr/>
           <p:nvPr/>
         </p:nvSpPr>
         <p:spPr>
           <a:xfrm>
-            <a:off x="9263224" y="5745870"/>
+            <a:off x="2113124" y="6126870"/>
             <a:ext cx="646332" cy="369332"/>
           </a:xfrm>
           <a:prstGeom prst="rect">
@@ -3791,13 +3633,13 @@
       </p:sp>
       <p:sp>
         <p:nvSpPr>
-          <p:cNvPr id="148" name="圆角矩形 147"/>
+          <p:cNvPr id="23" name="圆角矩形 22"/>
           <p:cNvSpPr/>
           <p:nvPr/>
         </p:nvSpPr>
         <p:spPr>
           <a:xfrm>
-            <a:off x="9847147" y="1508839"/>
+            <a:off x="588847" y="4150439"/>
             <a:ext cx="1524000" cy="557347"/>
           </a:xfrm>
           <a:prstGeom prst="roundRect">
@@ -3858,91 +3700,15 @@
           </a:p>
         </p:txBody>
       </p:sp>
-      <p:cxnSp>
-        <p:nvCxnSpPr>
-          <p:cNvPr id="150" name="直接箭头连接符 149"/>
-          <p:cNvCxnSpPr>
-            <a:endCxn id="148" idx="1"/>
-          </p:cNvCxnSpPr>
-          <p:nvPr/>
-        </p:nvCxnSpPr>
-        <p:spPr>
-          <a:xfrm>
-            <a:off x="9118456" y="1787512"/>
-            <a:ext cx="728691" cy="1"/>
-          </a:xfrm>
-          <a:prstGeom prst="straightConnector1">
-            <a:avLst/>
-          </a:prstGeom>
-          <a:ln w="19050">
-            <a:solidFill>
-              <a:schemeClr val="tx1"/>
-            </a:solidFill>
-            <a:tailEnd type="triangle"/>
-          </a:ln>
-        </p:spPr>
-        <p:style>
-          <a:lnRef idx="1">
-            <a:schemeClr val="accent1"/>
-          </a:lnRef>
-          <a:fillRef idx="0">
-            <a:schemeClr val="accent1"/>
-          </a:fillRef>
-          <a:effectRef idx="0">
-            <a:schemeClr val="accent1"/>
-          </a:effectRef>
-          <a:fontRef idx="minor">
-            <a:schemeClr val="tx1"/>
-          </a:fontRef>
-        </p:style>
-      </p:cxnSp>
-      <p:cxnSp>
-        <p:nvCxnSpPr>
-          <p:cNvPr id="153" name="直接箭头连接符 152"/>
-          <p:cNvCxnSpPr>
-            <a:endCxn id="36" idx="3"/>
-          </p:cNvCxnSpPr>
-          <p:nvPr/>
-        </p:nvCxnSpPr>
-        <p:spPr>
-          <a:xfrm flipH="1">
-            <a:off x="7923701" y="4569753"/>
-            <a:ext cx="1630516" cy="0"/>
-          </a:xfrm>
-          <a:prstGeom prst="straightConnector1">
-            <a:avLst/>
-          </a:prstGeom>
-          <a:ln w="19050">
-            <a:solidFill>
-              <a:schemeClr val="tx1"/>
-            </a:solidFill>
-            <a:tailEnd type="triangle"/>
-          </a:ln>
-        </p:spPr>
-        <p:style>
-          <a:lnRef idx="1">
-            <a:schemeClr val="accent1"/>
-          </a:lnRef>
-          <a:fillRef idx="0">
-            <a:schemeClr val="accent1"/>
-          </a:fillRef>
-          <a:effectRef idx="0">
-            <a:schemeClr val="accent1"/>
-          </a:effectRef>
-          <a:fontRef idx="minor">
-            <a:schemeClr val="tx1"/>
-          </a:fontRef>
-        </p:style>
-      </p:cxnSp>
-      <p:sp>
-        <p:nvSpPr>
-          <p:cNvPr id="154" name="矩形 153"/>
+      <p:sp>
+        <p:nvSpPr>
+          <p:cNvPr id="26" name="矩形 25"/>
           <p:cNvSpPr/>
           <p:nvPr/>
         </p:nvSpPr>
         <p:spPr>
           <a:xfrm>
-            <a:off x="6431740" y="3627657"/>
+            <a:off x="8082740" y="1887757"/>
             <a:ext cx="370614" cy="369332"/>
           </a:xfrm>
           <a:prstGeom prst="rect">
@@ -3976,13 +3742,13 @@
       </p:sp>
       <p:sp>
         <p:nvSpPr>
-          <p:cNvPr id="155" name="矩形 154"/>
+          <p:cNvPr id="27" name="矩形 26"/>
           <p:cNvSpPr/>
           <p:nvPr/>
         </p:nvSpPr>
         <p:spPr>
           <a:xfrm>
-            <a:off x="4469689" y="1844835"/>
+            <a:off x="6044489" y="3406935"/>
             <a:ext cx="511680" cy="369332"/>
           </a:xfrm>
           <a:prstGeom prst="rect">
@@ -4016,13 +3782,13 @@
       </p:sp>
       <p:sp>
         <p:nvSpPr>
-          <p:cNvPr id="37" name="矩形 36"/>
+          <p:cNvPr id="28" name="矩形 27"/>
           <p:cNvSpPr/>
           <p:nvPr/>
         </p:nvSpPr>
         <p:spPr>
           <a:xfrm>
-            <a:off x="5187528" y="1071699"/>
+            <a:off x="3854028" y="830399"/>
             <a:ext cx="3930928" cy="2520085"/>
           </a:xfrm>
           <a:prstGeom prst="rect">
@@ -4069,13 +3835,13 @@
       </p:sp>
       <p:sp>
         <p:nvSpPr>
-          <p:cNvPr id="39" name="矩形 38"/>
+          <p:cNvPr id="29" name="矩形 28"/>
           <p:cNvSpPr/>
           <p:nvPr/>
         </p:nvSpPr>
         <p:spPr>
           <a:xfrm>
-            <a:off x="5208713" y="1109439"/>
+            <a:off x="3862513" y="868139"/>
             <a:ext cx="3908442" cy="369332"/>
           </a:xfrm>
           <a:prstGeom prst="rect">
@@ -4114,13 +3880,13 @@
       </p:sp>
       <p:cxnSp>
         <p:nvCxnSpPr>
-          <p:cNvPr id="190" name="直接连接符 189"/>
+          <p:cNvPr id="30" name="直接连接符 29"/>
           <p:cNvCxnSpPr/>
           <p:nvPr/>
         </p:nvCxnSpPr>
         <p:spPr>
           <a:xfrm flipH="1">
-            <a:off x="4968544" y="2046839"/>
+            <a:off x="7787944" y="1869039"/>
             <a:ext cx="225738" cy="0"/>
           </a:xfrm>
           <a:prstGeom prst="line">
@@ -4150,13 +3916,13 @@
       </p:cxnSp>
       <p:cxnSp>
         <p:nvCxnSpPr>
-          <p:cNvPr id="192" name="直接连接符 191"/>
+          <p:cNvPr id="31" name="直接连接符 30"/>
           <p:cNvCxnSpPr/>
           <p:nvPr/>
         </p:nvCxnSpPr>
         <p:spPr>
           <a:xfrm>
-            <a:off x="4968544" y="2046839"/>
+            <a:off x="8029244" y="1856339"/>
             <a:ext cx="0" cy="1770814"/>
           </a:xfrm>
           <a:prstGeom prst="line">
@@ -4186,13 +3952,13 @@
       </p:cxnSp>
       <p:cxnSp>
         <p:nvCxnSpPr>
-          <p:cNvPr id="194" name="直接连接符 193"/>
+          <p:cNvPr id="32" name="直接连接符 31"/>
           <p:cNvCxnSpPr/>
           <p:nvPr/>
         </p:nvCxnSpPr>
         <p:spPr>
           <a:xfrm flipH="1">
-            <a:off x="4968544" y="3817653"/>
+            <a:off x="6568744" y="3614453"/>
             <a:ext cx="1431157" cy="0"/>
           </a:xfrm>
           <a:prstGeom prst="line">
@@ -4222,13 +3988,13 @@
       </p:cxnSp>
       <p:cxnSp>
         <p:nvCxnSpPr>
-          <p:cNvPr id="197" name="直接连接符 196"/>
+          <p:cNvPr id="33" name="直接连接符 32"/>
           <p:cNvCxnSpPr/>
           <p:nvPr/>
         </p:nvCxnSpPr>
         <p:spPr>
           <a:xfrm flipV="1">
-            <a:off x="6399701" y="3591783"/>
+            <a:off x="6577501" y="3350483"/>
             <a:ext cx="0" cy="225870"/>
           </a:xfrm>
           <a:prstGeom prst="line">
@@ -4260,14 +4026,14 @@
       </p:cxnSp>
       <p:sp>
         <p:nvSpPr>
-          <p:cNvPr id="42" name="圆柱形 41"/>
+          <p:cNvPr id="34" name="圆柱形 33"/>
           <p:cNvSpPr/>
           <p:nvPr/>
         </p:nvSpPr>
         <p:spPr>
           <a:xfrm>
-            <a:off x="3481752" y="4171944"/>
-            <a:ext cx="1371600" cy="751748"/>
+            <a:off x="10417448" y="2052516"/>
+            <a:ext cx="1126852" cy="662354"/>
           </a:xfrm>
           <a:prstGeom prst="can">
             <a:avLst/>
@@ -4280,10 +4046,7 @@
           </a:solidFill>
           <a:ln>
             <a:solidFill>
-              <a:schemeClr val="accent2">
-                <a:lumMod val="60000"/>
-                <a:lumOff val="40000"/>
-              </a:schemeClr>
+              <a:schemeClr val="tx1"/>
             </a:solidFill>
           </a:ln>
         </p:spPr>
@@ -4309,74 +4072,6 @@
           <a:p>
             <a:pPr algn="ctr"/>
             <a:r>
-              <a:rPr lang="en-US" altLang="zh-CN" dirty="0" err="1" smtClean="0">
-                <a:solidFill>
-                  <a:schemeClr val="tx1"/>
-                </a:solidFill>
-                <a:latin typeface="+mn-ea"/>
-              </a:rPr>
-              <a:t>WikiSQL</a:t>
-            </a:r>
-            <a:endParaRPr lang="zh-CN" altLang="en-US" dirty="0" smtClean="0">
-              <a:solidFill>
-                <a:schemeClr val="tx1"/>
-              </a:solidFill>
-              <a:latin typeface="+mn-ea"/>
-            </a:endParaRPr>
-          </a:p>
-        </p:txBody>
-      </p:sp>
-      <p:sp>
-        <p:nvSpPr>
-          <p:cNvPr id="43" name="圆柱形 42"/>
-          <p:cNvSpPr/>
-          <p:nvPr/>
-        </p:nvSpPr>
-        <p:spPr>
-          <a:xfrm>
-            <a:off x="403007" y="2268416"/>
-            <a:ext cx="1126852" cy="662354"/>
-          </a:xfrm>
-          <a:prstGeom prst="can">
-            <a:avLst/>
-          </a:prstGeom>
-          <a:solidFill>
-            <a:schemeClr val="accent2">
-              <a:lumMod val="60000"/>
-              <a:lumOff val="40000"/>
-            </a:schemeClr>
-          </a:solidFill>
-          <a:ln>
-            <a:solidFill>
-              <a:schemeClr val="accent2">
-                <a:lumMod val="60000"/>
-                <a:lumOff val="40000"/>
-              </a:schemeClr>
-            </a:solidFill>
-          </a:ln>
-        </p:spPr>
-        <p:style>
-          <a:lnRef idx="2">
-            <a:schemeClr val="accent1">
-              <a:shade val="50000"/>
-            </a:schemeClr>
-          </a:lnRef>
-          <a:fillRef idx="1">
-            <a:schemeClr val="accent1"/>
-          </a:fillRef>
-          <a:effectRef idx="0">
-            <a:schemeClr val="accent1"/>
-          </a:effectRef>
-          <a:fontRef idx="minor">
-            <a:schemeClr val="lt1"/>
-          </a:fontRef>
-        </p:style>
-        <p:txBody>
-          <a:bodyPr rtlCol="0" anchor="ctr"/>
-          <a:lstStyle/>
-          <a:p>
-            <a:pPr algn="ctr"/>
-            <a:r>
               <a:rPr lang="zh-CN" altLang="en-US" dirty="0" err="1" smtClean="0">
                 <a:solidFill>
                   <a:schemeClr val="tx1"/>
@@ -4390,81 +4085,13 @@
       </p:sp>
       <p:sp>
         <p:nvSpPr>
-          <p:cNvPr id="44" name="矩形 43"/>
+          <p:cNvPr id="37" name="矩形 36"/>
           <p:cNvSpPr/>
           <p:nvPr/>
         </p:nvSpPr>
         <p:spPr>
           <a:xfrm>
-            <a:off x="9657394" y="4423215"/>
-            <a:ext cx="761748" cy="369332"/>
-          </a:xfrm>
-          <a:prstGeom prst="rect">
-            <a:avLst/>
-          </a:prstGeom>
-        </p:spPr>
-        <p:txBody>
-          <a:bodyPr wrap="none">
-            <a:spAutoFit/>
-          </a:bodyPr>
-          <a:lstStyle/>
-          <a:p>
-            <a:pPr algn="ctr"/>
-            <a:r>
-              <a:rPr lang="en-US" altLang="zh-CN" i="1" dirty="0" smtClean="0">
-                <a:latin typeface="+mn-ea"/>
-              </a:rPr>
-              <a:t>w , c</a:t>
-            </a:r>
-            <a:endParaRPr lang="zh-CN" altLang="en-US" i="1" dirty="0">
-              <a:latin typeface="+mn-ea"/>
-            </a:endParaRPr>
-          </a:p>
-        </p:txBody>
-      </p:sp>
-      <p:sp>
-        <p:nvSpPr>
-          <p:cNvPr id="45" name="矩形 44"/>
-          <p:cNvSpPr/>
-          <p:nvPr/>
-        </p:nvSpPr>
-        <p:spPr>
-          <a:xfrm>
-            <a:off x="5308132" y="4601992"/>
-            <a:ext cx="761748" cy="369332"/>
-          </a:xfrm>
-          <a:prstGeom prst="rect">
-            <a:avLst/>
-          </a:prstGeom>
-        </p:spPr>
-        <p:txBody>
-          <a:bodyPr wrap="none">
-            <a:spAutoFit/>
-          </a:bodyPr>
-          <a:lstStyle/>
-          <a:p>
-            <a:pPr algn="ctr"/>
-            <a:r>
-              <a:rPr lang="en-US" altLang="zh-CN" i="1" dirty="0" smtClean="0">
-                <a:latin typeface="+mn-ea"/>
-              </a:rPr>
-              <a:t>w , c</a:t>
-            </a:r>
-            <a:endParaRPr lang="zh-CN" altLang="en-US" i="1" dirty="0">
-              <a:latin typeface="+mn-ea"/>
-            </a:endParaRPr>
-          </a:p>
-        </p:txBody>
-      </p:sp>
-      <p:sp>
-        <p:nvSpPr>
-          <p:cNvPr id="47" name="矩形 46"/>
-          <p:cNvSpPr/>
-          <p:nvPr/>
-        </p:nvSpPr>
-        <p:spPr>
-          <a:xfrm>
-            <a:off x="5873260" y="1881553"/>
+            <a:off x="4476260" y="1691053"/>
             <a:ext cx="1037493" cy="1134208"/>
           </a:xfrm>
           <a:prstGeom prst="rect">
@@ -4511,47 +4138,13 @@
       </p:sp>
       <p:sp>
         <p:nvSpPr>
-          <p:cNvPr id="52" name="矩形 51"/>
+          <p:cNvPr id="39" name="矩形 38"/>
           <p:cNvSpPr/>
           <p:nvPr/>
         </p:nvSpPr>
         <p:spPr>
           <a:xfrm>
-            <a:off x="5943207" y="2282281"/>
-            <a:ext cx="881973" cy="369332"/>
-          </a:xfrm>
-          <a:prstGeom prst="rect">
-            <a:avLst/>
-          </a:prstGeom>
-        </p:spPr>
-        <p:txBody>
-          <a:bodyPr wrap="none">
-            <a:spAutoFit/>
-          </a:bodyPr>
-          <a:lstStyle/>
-          <a:p>
-            <a:pPr algn="ctr"/>
-            <a:r>
-              <a:rPr lang="zh-CN" altLang="en-US" dirty="0" smtClean="0">
-                <a:latin typeface="+mn-ea"/>
-              </a:rPr>
-              <a:t>编码器</a:t>
-            </a:r>
-            <a:endParaRPr lang="zh-CN" altLang="en-US" dirty="0">
-              <a:latin typeface="+mn-ea"/>
-            </a:endParaRPr>
-          </a:p>
-        </p:txBody>
-      </p:sp>
-      <p:sp>
-        <p:nvSpPr>
-          <p:cNvPr id="54" name="矩形 53"/>
-          <p:cNvSpPr/>
-          <p:nvPr/>
-        </p:nvSpPr>
-        <p:spPr>
-          <a:xfrm>
-            <a:off x="7406051" y="1884486"/>
+            <a:off x="6059851" y="1706686"/>
             <a:ext cx="1037493" cy="1134208"/>
           </a:xfrm>
           <a:prstGeom prst="rect">
@@ -4598,13 +4191,13 @@
       </p:sp>
       <p:sp>
         <p:nvSpPr>
-          <p:cNvPr id="53" name="矩形 52"/>
+          <p:cNvPr id="40" name="矩形 39"/>
           <p:cNvSpPr/>
           <p:nvPr/>
         </p:nvSpPr>
         <p:spPr>
           <a:xfrm>
-            <a:off x="7493587" y="2294005"/>
+            <a:off x="6147387" y="2078105"/>
             <a:ext cx="881973" cy="369332"/>
           </a:xfrm>
           <a:prstGeom prst="rect">
@@ -4632,13 +4225,13 @@
       </p:sp>
       <p:cxnSp>
         <p:nvCxnSpPr>
-          <p:cNvPr id="57" name="直接连接符 56"/>
+          <p:cNvPr id="41" name="直接连接符 40"/>
           <p:cNvCxnSpPr/>
           <p:nvPr/>
         </p:nvCxnSpPr>
         <p:spPr>
           <a:xfrm>
-            <a:off x="6910752" y="2145323"/>
+            <a:off x="5551852" y="2031023"/>
             <a:ext cx="501161" cy="1588"/>
           </a:xfrm>
           <a:prstGeom prst="line">
@@ -4646,8 +4239,9 @@
           </a:prstGeom>
           <a:ln w="25400">
             <a:solidFill>
-              <a:schemeClr val="accent6">
-                <a:lumMod val="75000"/>
+              <a:schemeClr val="accent2">
+                <a:lumMod val="60000"/>
+                <a:lumOff val="40000"/>
               </a:schemeClr>
             </a:solidFill>
             <a:prstDash val="sysDash"/>
@@ -4670,13 +4264,13 @@
       </p:cxnSp>
       <p:cxnSp>
         <p:nvCxnSpPr>
-          <p:cNvPr id="58" name="直接连接符 57"/>
+          <p:cNvPr id="42" name="直接连接符 41"/>
           <p:cNvCxnSpPr/>
           <p:nvPr/>
         </p:nvCxnSpPr>
         <p:spPr>
           <a:xfrm>
-            <a:off x="6922475" y="2737338"/>
+            <a:off x="5550875" y="2445238"/>
             <a:ext cx="501161" cy="1588"/>
           </a:xfrm>
           <a:prstGeom prst="line">
@@ -4701,12 +4295,481 @@
           </a:fontRef>
         </p:style>
       </p:cxnSp>
+      <p:sp>
+        <p:nvSpPr>
+          <p:cNvPr id="43" name="流程图: 多文档 42"/>
+          <p:cNvSpPr/>
+          <p:nvPr/>
+        </p:nvSpPr>
+        <p:spPr>
+          <a:xfrm>
+            <a:off x="7175500" y="4140200"/>
+            <a:ext cx="1638300" cy="1117600"/>
+          </a:xfrm>
+          <a:prstGeom prst="flowChartMultidocument">
+            <a:avLst/>
+          </a:prstGeom>
+          <a:solidFill>
+            <a:schemeClr val="accent2">
+              <a:lumMod val="60000"/>
+              <a:lumOff val="40000"/>
+            </a:schemeClr>
+          </a:solidFill>
+          <a:ln>
+            <a:solidFill>
+              <a:schemeClr val="tx1"/>
+            </a:solidFill>
+          </a:ln>
+        </p:spPr>
+        <p:style>
+          <a:lnRef idx="2">
+            <a:schemeClr val="accent1">
+              <a:shade val="50000"/>
+            </a:schemeClr>
+          </a:lnRef>
+          <a:fillRef idx="1">
+            <a:schemeClr val="accent1"/>
+          </a:fillRef>
+          <a:effectRef idx="0">
+            <a:schemeClr val="accent1"/>
+          </a:effectRef>
+          <a:fontRef idx="minor">
+            <a:schemeClr val="lt1"/>
+          </a:fontRef>
+        </p:style>
+        <p:txBody>
+          <a:bodyPr rtlCol="0" anchor="ctr"/>
+          <a:lstStyle/>
+          <a:p>
+            <a:pPr algn="ctr"/>
+            <a:r>
+              <a:rPr lang="en-US" altLang="zh-CN" dirty="0" err="1" smtClean="0">
+                <a:solidFill>
+                  <a:schemeClr val="tx1"/>
+                </a:solidFill>
+                <a:latin typeface="+mn-ea"/>
+              </a:rPr>
+              <a:t>WikiSQL</a:t>
+            </a:r>
+            <a:endParaRPr lang="en-US" altLang="zh-CN" dirty="0" smtClean="0">
+              <a:solidFill>
+                <a:schemeClr val="tx1"/>
+              </a:solidFill>
+              <a:latin typeface="+mn-ea"/>
+            </a:endParaRPr>
+          </a:p>
+          <a:p>
+            <a:pPr algn="ctr"/>
+            <a:r>
+              <a:rPr lang="zh-CN" altLang="en-US" dirty="0" smtClean="0">
+                <a:solidFill>
+                  <a:schemeClr val="tx1"/>
+                </a:solidFill>
+                <a:latin typeface="+mn-ea"/>
+              </a:rPr>
+              <a:t>数据集</a:t>
+            </a:r>
+          </a:p>
+        </p:txBody>
+      </p:sp>
+      <p:sp>
+        <p:nvSpPr>
+          <p:cNvPr id="47" name="圆角矩形 46"/>
+          <p:cNvSpPr/>
+          <p:nvPr/>
+        </p:nvSpPr>
+        <p:spPr>
+          <a:xfrm>
+            <a:off x="190500" y="977900"/>
+            <a:ext cx="2235200" cy="431800"/>
+          </a:xfrm>
+          <a:prstGeom prst="roundRect">
+            <a:avLst/>
+          </a:prstGeom>
+          <a:solidFill>
+            <a:schemeClr val="accent1">
+              <a:lumMod val="60000"/>
+              <a:lumOff val="40000"/>
+            </a:schemeClr>
+          </a:solidFill>
+          <a:ln w="19050">
+            <a:solidFill>
+              <a:schemeClr val="tx1"/>
+            </a:solidFill>
+          </a:ln>
+        </p:spPr>
+        <p:style>
+          <a:lnRef idx="2">
+            <a:schemeClr val="accent1">
+              <a:shade val="50000"/>
+            </a:schemeClr>
+          </a:lnRef>
+          <a:fillRef idx="1">
+            <a:schemeClr val="accent1"/>
+          </a:fillRef>
+          <a:effectRef idx="0">
+            <a:schemeClr val="accent1"/>
+          </a:effectRef>
+          <a:fontRef idx="minor">
+            <a:schemeClr val="lt1"/>
+          </a:fontRef>
+        </p:style>
+        <p:txBody>
+          <a:bodyPr rtlCol="0" anchor="ctr"/>
+          <a:lstStyle/>
+          <a:p>
+            <a:pPr algn="ctr"/>
+            <a:r>
+              <a:rPr lang="zh-CN" altLang="en-US" dirty="0" smtClean="0">
+                <a:solidFill>
+                  <a:schemeClr val="tx1"/>
+                </a:solidFill>
+                <a:latin typeface="+mn-ea"/>
+              </a:rPr>
+              <a:t>自然语言查询语句</a:t>
+            </a:r>
+            <a:endParaRPr lang="zh-CN" altLang="en-US" dirty="0">
+              <a:solidFill>
+                <a:schemeClr val="tx1"/>
+              </a:solidFill>
+              <a:latin typeface="+mn-ea"/>
+            </a:endParaRPr>
+          </a:p>
+        </p:txBody>
+      </p:sp>
+      <p:cxnSp>
+        <p:nvCxnSpPr>
+          <p:cNvPr id="59" name="肘形连接符 58"/>
+          <p:cNvCxnSpPr>
+            <a:stCxn id="47" idx="3"/>
+          </p:cNvCxnSpPr>
+          <p:nvPr/>
+        </p:nvCxnSpPr>
+        <p:spPr>
+          <a:xfrm>
+            <a:off x="2425700" y="1193800"/>
+            <a:ext cx="1409700" cy="393700"/>
+          </a:xfrm>
+          <a:prstGeom prst="bentConnector3">
+            <a:avLst>
+              <a:gd name="adj1" fmla="val 20270"/>
+            </a:avLst>
+          </a:prstGeom>
+          <a:ln w="19050">
+            <a:solidFill>
+              <a:schemeClr val="tx1"/>
+            </a:solidFill>
+            <a:tailEnd type="triangle"/>
+          </a:ln>
+        </p:spPr>
+        <p:style>
+          <a:lnRef idx="1">
+            <a:schemeClr val="accent1"/>
+          </a:lnRef>
+          <a:fillRef idx="0">
+            <a:schemeClr val="accent1"/>
+          </a:fillRef>
+          <a:effectRef idx="0">
+            <a:schemeClr val="accent1"/>
+          </a:effectRef>
+          <a:fontRef idx="minor">
+            <a:schemeClr val="tx1"/>
+          </a:fontRef>
+        </p:style>
+      </p:cxnSp>
+      <p:cxnSp>
+        <p:nvCxnSpPr>
+          <p:cNvPr id="61" name="肘形连接符 60"/>
+          <p:cNvCxnSpPr/>
+          <p:nvPr/>
+        </p:nvCxnSpPr>
+        <p:spPr>
+          <a:xfrm flipV="1">
+            <a:off x="2126151" y="1587500"/>
+            <a:ext cx="1677499" cy="505753"/>
+          </a:xfrm>
+          <a:prstGeom prst="bentConnector3">
+            <a:avLst>
+              <a:gd name="adj1" fmla="val 34859"/>
+            </a:avLst>
+          </a:prstGeom>
+          <a:ln w="19050">
+            <a:solidFill>
+              <a:schemeClr val="tx1"/>
+            </a:solidFill>
+            <a:tailEnd type="none"/>
+          </a:ln>
+        </p:spPr>
+        <p:style>
+          <a:lnRef idx="1">
+            <a:schemeClr val="accent1"/>
+          </a:lnRef>
+          <a:fillRef idx="0">
+            <a:schemeClr val="accent1"/>
+          </a:fillRef>
+          <a:effectRef idx="0">
+            <a:schemeClr val="accent1"/>
+          </a:effectRef>
+          <a:fontRef idx="minor">
+            <a:schemeClr val="tx1"/>
+          </a:fontRef>
+        </p:style>
+      </p:cxnSp>
+      <p:sp>
+        <p:nvSpPr>
+          <p:cNvPr id="76" name="矩形 75"/>
+          <p:cNvSpPr/>
+          <p:nvPr/>
+        </p:nvSpPr>
+        <p:spPr>
+          <a:xfrm>
+            <a:off x="2712704" y="1142906"/>
+            <a:ext cx="1107996" cy="369332"/>
+          </a:xfrm>
+          <a:prstGeom prst="rect">
+            <a:avLst/>
+          </a:prstGeom>
+        </p:spPr>
+        <p:txBody>
+          <a:bodyPr wrap="none">
+            <a:spAutoFit/>
+          </a:bodyPr>
+          <a:lstStyle/>
+          <a:p>
+            <a:pPr algn="ctr"/>
+            <a:r>
+              <a:rPr lang="zh-CN" altLang="en-US" dirty="0" smtClean="0">
+                <a:latin typeface="+mn-ea"/>
+              </a:rPr>
+              <a:t>序列表示</a:t>
+            </a:r>
+            <a:endParaRPr lang="zh-CN" altLang="en-US" dirty="0">
+              <a:latin typeface="+mn-ea"/>
+            </a:endParaRPr>
+          </a:p>
+        </p:txBody>
+      </p:sp>
+      <p:sp>
+        <p:nvSpPr>
+          <p:cNvPr id="77" name="矩形 76"/>
+          <p:cNvSpPr/>
+          <p:nvPr/>
+        </p:nvSpPr>
+        <p:spPr>
+          <a:xfrm>
+            <a:off x="4547187" y="2065405"/>
+            <a:ext cx="877164" cy="369332"/>
+          </a:xfrm>
+          <a:prstGeom prst="rect">
+            <a:avLst/>
+          </a:prstGeom>
+        </p:spPr>
+        <p:txBody>
+          <a:bodyPr wrap="none">
+            <a:spAutoFit/>
+          </a:bodyPr>
+          <a:lstStyle/>
+          <a:p>
+            <a:pPr algn="ctr"/>
+            <a:r>
+              <a:rPr lang="zh-CN" altLang="en-US" dirty="0" smtClean="0">
+                <a:latin typeface="+mn-ea"/>
+              </a:rPr>
+              <a:t>编码器</a:t>
+            </a:r>
+            <a:endParaRPr lang="zh-CN" altLang="en-US" dirty="0">
+              <a:latin typeface="+mn-ea"/>
+            </a:endParaRPr>
+          </a:p>
+        </p:txBody>
+      </p:sp>
+      <p:cxnSp>
+        <p:nvCxnSpPr>
+          <p:cNvPr id="79" name="肘形连接符 78"/>
+          <p:cNvCxnSpPr>
+            <a:endCxn id="23" idx="3"/>
+          </p:cNvCxnSpPr>
+          <p:nvPr/>
+        </p:nvCxnSpPr>
+        <p:spPr>
+          <a:xfrm rot="10800000" flipV="1">
+            <a:off x="2112848" y="3352799"/>
+            <a:ext cx="2167053" cy="1076313"/>
+          </a:xfrm>
+          <a:prstGeom prst="bentConnector3">
+            <a:avLst>
+              <a:gd name="adj1" fmla="val -400"/>
+            </a:avLst>
+          </a:prstGeom>
+          <a:ln w="19050">
+            <a:solidFill>
+              <a:schemeClr val="tx1"/>
+            </a:solidFill>
+            <a:tailEnd type="triangle"/>
+          </a:ln>
+        </p:spPr>
+        <p:style>
+          <a:lnRef idx="1">
+            <a:schemeClr val="accent1"/>
+          </a:lnRef>
+          <a:fillRef idx="0">
+            <a:schemeClr val="accent1"/>
+          </a:fillRef>
+          <a:effectRef idx="0">
+            <a:schemeClr val="accent1"/>
+          </a:effectRef>
+          <a:fontRef idx="minor">
+            <a:schemeClr val="tx1"/>
+          </a:fontRef>
+        </p:style>
+      </p:cxnSp>
+      <p:cxnSp>
+        <p:nvCxnSpPr>
+          <p:cNvPr id="96" name="直接箭头连接符 95"/>
+          <p:cNvCxnSpPr/>
+          <p:nvPr/>
+        </p:nvCxnSpPr>
+        <p:spPr>
+          <a:xfrm>
+            <a:off x="7785100" y="1384300"/>
+            <a:ext cx="1181100" cy="1588"/>
+          </a:xfrm>
+          <a:prstGeom prst="straightConnector1">
+            <a:avLst/>
+          </a:prstGeom>
+          <a:ln w="19050">
+            <a:solidFill>
+              <a:schemeClr val="tx1"/>
+            </a:solidFill>
+            <a:tailEnd type="triangle"/>
+          </a:ln>
+        </p:spPr>
+        <p:style>
+          <a:lnRef idx="1">
+            <a:schemeClr val="accent1"/>
+          </a:lnRef>
+          <a:fillRef idx="0">
+            <a:schemeClr val="accent1"/>
+          </a:fillRef>
+          <a:effectRef idx="0">
+            <a:schemeClr val="accent1"/>
+          </a:effectRef>
+          <a:fontRef idx="minor">
+            <a:schemeClr val="tx1"/>
+          </a:fontRef>
+        </p:style>
+      </p:cxnSp>
+      <p:cxnSp>
+        <p:nvCxnSpPr>
+          <p:cNvPr id="111" name="直接箭头连接符 110"/>
+          <p:cNvCxnSpPr/>
+          <p:nvPr/>
+        </p:nvCxnSpPr>
+        <p:spPr>
+          <a:xfrm>
+            <a:off x="7772400" y="3111500"/>
+            <a:ext cx="1181100" cy="1588"/>
+          </a:xfrm>
+          <a:prstGeom prst="straightConnector1">
+            <a:avLst/>
+          </a:prstGeom>
+          <a:ln w="19050">
+            <a:solidFill>
+              <a:schemeClr val="tx1"/>
+            </a:solidFill>
+            <a:headEnd type="triangle"/>
+            <a:tailEnd type="none"/>
+          </a:ln>
+        </p:spPr>
+        <p:style>
+          <a:lnRef idx="1">
+            <a:schemeClr val="accent1"/>
+          </a:lnRef>
+          <a:fillRef idx="0">
+            <a:schemeClr val="accent1"/>
+          </a:fillRef>
+          <a:effectRef idx="0">
+            <a:schemeClr val="accent1"/>
+          </a:effectRef>
+          <a:fontRef idx="minor">
+            <a:schemeClr val="tx1"/>
+          </a:fontRef>
+        </p:style>
+      </p:cxnSp>
+      <p:cxnSp>
+        <p:nvCxnSpPr>
+          <p:cNvPr id="112" name="肘形连接符 23"/>
+          <p:cNvCxnSpPr>
+            <a:stCxn id="43" idx="1"/>
+            <a:endCxn id="28" idx="2"/>
+          </p:cNvCxnSpPr>
+          <p:nvPr/>
+        </p:nvCxnSpPr>
+        <p:spPr>
+          <a:xfrm rot="10800000">
+            <a:off x="5819492" y="3350484"/>
+            <a:ext cx="1356008" cy="1348516"/>
+          </a:xfrm>
+          <a:prstGeom prst="bentConnector2">
+            <a:avLst/>
+          </a:prstGeom>
+          <a:ln w="19050">
+            <a:solidFill>
+              <a:schemeClr val="tx1"/>
+            </a:solidFill>
+            <a:tailEnd type="triangle"/>
+          </a:ln>
+        </p:spPr>
+        <p:style>
+          <a:lnRef idx="1">
+            <a:schemeClr val="accent1"/>
+          </a:lnRef>
+          <a:fillRef idx="0">
+            <a:schemeClr val="accent1"/>
+          </a:fillRef>
+          <a:effectRef idx="0">
+            <a:schemeClr val="accent1"/>
+          </a:effectRef>
+          <a:fontRef idx="minor">
+            <a:schemeClr val="tx1"/>
+          </a:fontRef>
+        </p:style>
+      </p:cxnSp>
+      <p:sp>
+        <p:nvSpPr>
+          <p:cNvPr id="115" name="矩形 114"/>
+          <p:cNvSpPr/>
+          <p:nvPr/>
+        </p:nvSpPr>
+        <p:spPr>
+          <a:xfrm>
+            <a:off x="5875004" y="4254406"/>
+            <a:ext cx="1107996" cy="369332"/>
+          </a:xfrm>
+          <a:prstGeom prst="rect">
+            <a:avLst/>
+          </a:prstGeom>
+        </p:spPr>
+        <p:txBody>
+          <a:bodyPr wrap="none">
+            <a:spAutoFit/>
+          </a:bodyPr>
+          <a:lstStyle/>
+          <a:p>
+            <a:pPr algn="ctr"/>
+            <a:r>
+              <a:rPr lang="zh-CN" altLang="en-US" dirty="0" smtClean="0">
+                <a:latin typeface="+mn-ea"/>
+              </a:rPr>
+              <a:t>序列表示</a:t>
+            </a:r>
+            <a:endParaRPr lang="zh-CN" altLang="en-US" dirty="0">
+              <a:latin typeface="+mn-ea"/>
+            </a:endParaRPr>
+          </a:p>
+        </p:txBody>
+      </p:sp>
     </p:spTree>
-    <p:extLst>
-      <p:ext uri="{BB962C8B-B14F-4D97-AF65-F5344CB8AC3E}">
-        <p14:creationId xmlns="" xmlns:p14="http://schemas.microsoft.com/office/powerpoint/2010/main" val="1783155282"/>
-      </p:ext>
-    </p:extLst>
   </p:cSld>
   <p:clrMapOvr>
     <a:masterClrMapping/>

--- a/论文图/nl2sqlapproach.pptx
+++ b/论文图/nl2sqlapproach.pptx
@@ -106,7 +106,7 @@
   </p:defaultTextStyle>
   <p:extLst>
     <p:ext uri="{EFAFB233-063F-42B5-8137-9DF3F51BA10A}">
-      <p15:sldGuideLst xmlns="" xmlns:p15="http://schemas.microsoft.com/office/powerpoint/2012/main"/>
+      <p15:sldGuideLst xmlns:p15="http://schemas.microsoft.com/office/powerpoint/2012/main" xmlns=""/>
     </p:ext>
   </p:extLst>
 </p:presentation>
@@ -244,7 +244,7 @@
             <a:fld id="{935E760F-A023-4EE4-A330-3CB652C38BC5}" type="datetimeFigureOut">
               <a:rPr lang="zh-CN" altLang="en-US" smtClean="0"/>
               <a:pPr/>
-              <a:t>2018/11/28</a:t>
+              <a:t>2018/12/5</a:t>
             </a:fld>
             <a:endParaRPr lang="zh-CN" altLang="en-US"/>
           </a:p>
@@ -296,7 +296,7 @@
     </p:spTree>
     <p:extLst>
       <p:ext uri="{BB962C8B-B14F-4D97-AF65-F5344CB8AC3E}">
-        <p14:creationId xmlns="" xmlns:p14="http://schemas.microsoft.com/office/powerpoint/2010/main" val="3897304449"/>
+        <p14:creationId xmlns:p14="http://schemas.microsoft.com/office/powerpoint/2010/main" xmlns="" val="3897304449"/>
       </p:ext>
     </p:extLst>
   </p:cSld>
@@ -416,7 +416,7 @@
             <a:fld id="{935E760F-A023-4EE4-A330-3CB652C38BC5}" type="datetimeFigureOut">
               <a:rPr lang="zh-CN" altLang="en-US" smtClean="0"/>
               <a:pPr/>
-              <a:t>2018/11/28</a:t>
+              <a:t>2018/12/5</a:t>
             </a:fld>
             <a:endParaRPr lang="zh-CN" altLang="en-US"/>
           </a:p>
@@ -468,7 +468,7 @@
     </p:spTree>
     <p:extLst>
       <p:ext uri="{BB962C8B-B14F-4D97-AF65-F5344CB8AC3E}">
-        <p14:creationId xmlns="" xmlns:p14="http://schemas.microsoft.com/office/powerpoint/2010/main" val="2581975446"/>
+        <p14:creationId xmlns:p14="http://schemas.microsoft.com/office/powerpoint/2010/main" xmlns="" val="2581975446"/>
       </p:ext>
     </p:extLst>
   </p:cSld>
@@ -598,7 +598,7 @@
             <a:fld id="{935E760F-A023-4EE4-A330-3CB652C38BC5}" type="datetimeFigureOut">
               <a:rPr lang="zh-CN" altLang="en-US" smtClean="0"/>
               <a:pPr/>
-              <a:t>2018/11/28</a:t>
+              <a:t>2018/12/5</a:t>
             </a:fld>
             <a:endParaRPr lang="zh-CN" altLang="en-US"/>
           </a:p>
@@ -650,7 +650,7 @@
     </p:spTree>
     <p:extLst>
       <p:ext uri="{BB962C8B-B14F-4D97-AF65-F5344CB8AC3E}">
-        <p14:creationId xmlns="" xmlns:p14="http://schemas.microsoft.com/office/powerpoint/2010/main" val="3572540496"/>
+        <p14:creationId xmlns:p14="http://schemas.microsoft.com/office/powerpoint/2010/main" xmlns="" val="3572540496"/>
       </p:ext>
     </p:extLst>
   </p:cSld>
@@ -770,7 +770,7 @@
             <a:fld id="{935E760F-A023-4EE4-A330-3CB652C38BC5}" type="datetimeFigureOut">
               <a:rPr lang="zh-CN" altLang="en-US" smtClean="0"/>
               <a:pPr/>
-              <a:t>2018/11/28</a:t>
+              <a:t>2018/12/5</a:t>
             </a:fld>
             <a:endParaRPr lang="zh-CN" altLang="en-US"/>
           </a:p>
@@ -822,7 +822,7 @@
     </p:spTree>
     <p:extLst>
       <p:ext uri="{BB962C8B-B14F-4D97-AF65-F5344CB8AC3E}">
-        <p14:creationId xmlns="" xmlns:p14="http://schemas.microsoft.com/office/powerpoint/2010/main" val="665454786"/>
+        <p14:creationId xmlns:p14="http://schemas.microsoft.com/office/powerpoint/2010/main" xmlns="" val="665454786"/>
       </p:ext>
     </p:extLst>
   </p:cSld>
@@ -1018,7 +1018,7 @@
             <a:fld id="{935E760F-A023-4EE4-A330-3CB652C38BC5}" type="datetimeFigureOut">
               <a:rPr lang="zh-CN" altLang="en-US" smtClean="0"/>
               <a:pPr/>
-              <a:t>2018/11/28</a:t>
+              <a:t>2018/12/5</a:t>
             </a:fld>
             <a:endParaRPr lang="zh-CN" altLang="en-US"/>
           </a:p>
@@ -1070,7 +1070,7 @@
     </p:spTree>
     <p:extLst>
       <p:ext uri="{BB962C8B-B14F-4D97-AF65-F5344CB8AC3E}">
-        <p14:creationId xmlns="" xmlns:p14="http://schemas.microsoft.com/office/powerpoint/2010/main" val="2067675600"/>
+        <p14:creationId xmlns:p14="http://schemas.microsoft.com/office/powerpoint/2010/main" xmlns="" val="2067675600"/>
       </p:ext>
     </p:extLst>
   </p:cSld>
@@ -1252,7 +1252,7 @@
             <a:fld id="{935E760F-A023-4EE4-A330-3CB652C38BC5}" type="datetimeFigureOut">
               <a:rPr lang="zh-CN" altLang="en-US" smtClean="0"/>
               <a:pPr/>
-              <a:t>2018/11/28</a:t>
+              <a:t>2018/12/5</a:t>
             </a:fld>
             <a:endParaRPr lang="zh-CN" altLang="en-US"/>
           </a:p>
@@ -1304,7 +1304,7 @@
     </p:spTree>
     <p:extLst>
       <p:ext uri="{BB962C8B-B14F-4D97-AF65-F5344CB8AC3E}">
-        <p14:creationId xmlns="" xmlns:p14="http://schemas.microsoft.com/office/powerpoint/2010/main" val="2502697245"/>
+        <p14:creationId xmlns:p14="http://schemas.microsoft.com/office/powerpoint/2010/main" xmlns="" val="2502697245"/>
       </p:ext>
     </p:extLst>
   </p:cSld>
@@ -1621,7 +1621,7 @@
             <a:fld id="{935E760F-A023-4EE4-A330-3CB652C38BC5}" type="datetimeFigureOut">
               <a:rPr lang="zh-CN" altLang="en-US" smtClean="0"/>
               <a:pPr/>
-              <a:t>2018/11/28</a:t>
+              <a:t>2018/12/5</a:t>
             </a:fld>
             <a:endParaRPr lang="zh-CN" altLang="en-US"/>
           </a:p>
@@ -1673,7 +1673,7 @@
     </p:spTree>
     <p:extLst>
       <p:ext uri="{BB962C8B-B14F-4D97-AF65-F5344CB8AC3E}">
-        <p14:creationId xmlns="" xmlns:p14="http://schemas.microsoft.com/office/powerpoint/2010/main" val="3030045275"/>
+        <p14:creationId xmlns:p14="http://schemas.microsoft.com/office/powerpoint/2010/main" xmlns="" val="3030045275"/>
       </p:ext>
     </p:extLst>
   </p:cSld>
@@ -1741,7 +1741,7 @@
             <a:fld id="{935E760F-A023-4EE4-A330-3CB652C38BC5}" type="datetimeFigureOut">
               <a:rPr lang="zh-CN" altLang="en-US" smtClean="0"/>
               <a:pPr/>
-              <a:t>2018/11/28</a:t>
+              <a:t>2018/12/5</a:t>
             </a:fld>
             <a:endParaRPr lang="zh-CN" altLang="en-US"/>
           </a:p>
@@ -1793,7 +1793,7 @@
     </p:spTree>
     <p:extLst>
       <p:ext uri="{BB962C8B-B14F-4D97-AF65-F5344CB8AC3E}">
-        <p14:creationId xmlns="" xmlns:p14="http://schemas.microsoft.com/office/powerpoint/2010/main" val="787869428"/>
+        <p14:creationId xmlns:p14="http://schemas.microsoft.com/office/powerpoint/2010/main" xmlns="" val="787869428"/>
       </p:ext>
     </p:extLst>
   </p:cSld>
@@ -1838,7 +1838,7 @@
             <a:fld id="{935E760F-A023-4EE4-A330-3CB652C38BC5}" type="datetimeFigureOut">
               <a:rPr lang="zh-CN" altLang="en-US" smtClean="0"/>
               <a:pPr/>
-              <a:t>2018/11/28</a:t>
+              <a:t>2018/12/5</a:t>
             </a:fld>
             <a:endParaRPr lang="zh-CN" altLang="en-US"/>
           </a:p>
@@ -1890,7 +1890,7 @@
     </p:spTree>
     <p:extLst>
       <p:ext uri="{BB962C8B-B14F-4D97-AF65-F5344CB8AC3E}">
-        <p14:creationId xmlns="" xmlns:p14="http://schemas.microsoft.com/office/powerpoint/2010/main" val="813101938"/>
+        <p14:creationId xmlns:p14="http://schemas.microsoft.com/office/powerpoint/2010/main" xmlns="" val="813101938"/>
       </p:ext>
     </p:extLst>
   </p:cSld>
@@ -2117,7 +2117,7 @@
             <a:fld id="{935E760F-A023-4EE4-A330-3CB652C38BC5}" type="datetimeFigureOut">
               <a:rPr lang="zh-CN" altLang="en-US" smtClean="0"/>
               <a:pPr/>
-              <a:t>2018/11/28</a:t>
+              <a:t>2018/12/5</a:t>
             </a:fld>
             <a:endParaRPr lang="zh-CN" altLang="en-US"/>
           </a:p>
@@ -2169,7 +2169,7 @@
     </p:spTree>
     <p:extLst>
       <p:ext uri="{BB962C8B-B14F-4D97-AF65-F5344CB8AC3E}">
-        <p14:creationId xmlns="" xmlns:p14="http://schemas.microsoft.com/office/powerpoint/2010/main" val="1630772684"/>
+        <p14:creationId xmlns:p14="http://schemas.microsoft.com/office/powerpoint/2010/main" xmlns="" val="1630772684"/>
       </p:ext>
     </p:extLst>
   </p:cSld>
@@ -2372,7 +2372,7 @@
             <a:fld id="{935E760F-A023-4EE4-A330-3CB652C38BC5}" type="datetimeFigureOut">
               <a:rPr lang="zh-CN" altLang="en-US" smtClean="0"/>
               <a:pPr/>
-              <a:t>2018/11/28</a:t>
+              <a:t>2018/12/5</a:t>
             </a:fld>
             <a:endParaRPr lang="zh-CN" altLang="en-US"/>
           </a:p>
@@ -2424,7 +2424,7 @@
     </p:spTree>
     <p:extLst>
       <p:ext uri="{BB962C8B-B14F-4D97-AF65-F5344CB8AC3E}">
-        <p14:creationId xmlns="" xmlns:p14="http://schemas.microsoft.com/office/powerpoint/2010/main" val="829702776"/>
+        <p14:creationId xmlns:p14="http://schemas.microsoft.com/office/powerpoint/2010/main" xmlns="" val="829702776"/>
       </p:ext>
     </p:extLst>
   </p:cSld>
@@ -2587,7 +2587,7 @@
             <a:fld id="{935E760F-A023-4EE4-A330-3CB652C38BC5}" type="datetimeFigureOut">
               <a:rPr lang="zh-CN" altLang="en-US" smtClean="0"/>
               <a:pPr/>
-              <a:t>2018/11/28</a:t>
+              <a:t>2018/12/5</a:t>
             </a:fld>
             <a:endParaRPr lang="zh-CN" altLang="en-US"/>
           </a:p>
@@ -2675,7 +2675,7 @@
     </p:spTree>
     <p:extLst>
       <p:ext uri="{BB962C8B-B14F-4D97-AF65-F5344CB8AC3E}">
-        <p14:creationId xmlns="" xmlns:p14="http://schemas.microsoft.com/office/powerpoint/2010/main" val="698849511"/>
+        <p14:creationId xmlns:p14="http://schemas.microsoft.com/office/powerpoint/2010/main" xmlns="" val="698849511"/>
       </p:ext>
     </p:extLst>
   </p:cSld>
@@ -2995,13 +2995,117 @@
       </p:grpSpPr>
       <p:sp>
         <p:nvSpPr>
+          <p:cNvPr id="45" name="矩形 44"/>
+          <p:cNvSpPr/>
+          <p:nvPr/>
+        </p:nvSpPr>
+        <p:spPr>
+          <a:xfrm>
+            <a:off x="6464300" y="495300"/>
+            <a:ext cx="5562600" cy="5687285"/>
+          </a:xfrm>
+          <a:prstGeom prst="rect">
+            <a:avLst/>
+          </a:prstGeom>
+          <a:noFill/>
+          <a:ln w="19050">
+            <a:solidFill>
+              <a:schemeClr val="tx1"/>
+            </a:solidFill>
+            <a:prstDash val="dash"/>
+          </a:ln>
+        </p:spPr>
+        <p:style>
+          <a:lnRef idx="2">
+            <a:schemeClr val="accent1">
+              <a:shade val="50000"/>
+            </a:schemeClr>
+          </a:lnRef>
+          <a:fillRef idx="1">
+            <a:schemeClr val="accent1"/>
+          </a:fillRef>
+          <a:effectRef idx="0">
+            <a:schemeClr val="accent1"/>
+          </a:effectRef>
+          <a:fontRef idx="minor">
+            <a:schemeClr val="lt1"/>
+          </a:fontRef>
+        </p:style>
+        <p:txBody>
+          <a:bodyPr rtlCol="0" anchor="ctr"/>
+          <a:lstStyle/>
+          <a:p>
+            <a:pPr algn="ctr"/>
+            <a:endParaRPr lang="zh-CN" altLang="en-US">
+              <a:solidFill>
+                <a:schemeClr val="tx1"/>
+              </a:solidFill>
+              <a:latin typeface="+mn-ea"/>
+            </a:endParaRPr>
+          </a:p>
+        </p:txBody>
+      </p:sp>
+      <p:sp>
+        <p:nvSpPr>
+          <p:cNvPr id="44" name="矩形 43"/>
+          <p:cNvSpPr/>
+          <p:nvPr/>
+        </p:nvSpPr>
+        <p:spPr>
+          <a:xfrm>
+            <a:off x="101600" y="495300"/>
+            <a:ext cx="6096000" cy="5687285"/>
+          </a:xfrm>
+          <a:prstGeom prst="rect">
+            <a:avLst/>
+          </a:prstGeom>
+          <a:noFill/>
+          <a:ln w="19050">
+            <a:solidFill>
+              <a:schemeClr val="tx1"/>
+            </a:solidFill>
+            <a:prstDash val="dash"/>
+          </a:ln>
+        </p:spPr>
+        <p:style>
+          <a:lnRef idx="2">
+            <a:schemeClr val="accent1">
+              <a:shade val="50000"/>
+            </a:schemeClr>
+          </a:lnRef>
+          <a:fillRef idx="1">
+            <a:schemeClr val="accent1"/>
+          </a:fillRef>
+          <a:effectRef idx="0">
+            <a:schemeClr val="accent1"/>
+          </a:effectRef>
+          <a:fontRef idx="minor">
+            <a:schemeClr val="lt1"/>
+          </a:fontRef>
+        </p:style>
+        <p:txBody>
+          <a:bodyPr rtlCol="0" anchor="ctr"/>
+          <a:lstStyle/>
+          <a:p>
+            <a:pPr algn="ctr"/>
+            <a:endParaRPr lang="zh-CN" altLang="en-US">
+              <a:solidFill>
+                <a:schemeClr val="tx1"/>
+              </a:solidFill>
+              <a:latin typeface="+mn-ea"/>
+            </a:endParaRPr>
+          </a:p>
+        </p:txBody>
+      </p:sp>
+      <p:sp>
+        <p:nvSpPr>
           <p:cNvPr id="4" name="圆角矩形 3"/>
           <p:cNvSpPr/>
           <p:nvPr/>
         </p:nvSpPr>
         <p:spPr>
           <a:xfrm>
-            <a:off x="8956411" y="1133224"/>
+            <a:off x="9362811" y="1463424"/>
             <a:ext cx="1524000" cy="557347"/>
           </a:xfrm>
           <a:prstGeom prst="roundRect">
@@ -3078,8 +3182,8 @@
         </p:nvCxnSpPr>
         <p:spPr>
           <a:xfrm>
-            <a:off x="10480411" y="1411898"/>
-            <a:ext cx="500463" cy="640618"/>
+            <a:off x="10886811" y="1742098"/>
+            <a:ext cx="314589" cy="488218"/>
           </a:xfrm>
           <a:prstGeom prst="bentConnector2">
             <a:avLst/>
@@ -3114,7 +3218,7 @@
         </p:nvSpPr>
         <p:spPr>
           <a:xfrm>
-            <a:off x="11132804" y="1422306"/>
+            <a:off x="11082004" y="1282606"/>
             <a:ext cx="646332" cy="369332"/>
           </a:xfrm>
           <a:prstGeom prst="rect">
@@ -3145,7 +3249,7 @@
         </p:nvSpPr>
         <p:spPr>
           <a:xfrm>
-            <a:off x="8944441" y="2857391"/>
+            <a:off x="9376241" y="3187591"/>
             <a:ext cx="1524000" cy="557347"/>
           </a:xfrm>
           <a:prstGeom prst="roundRect">
@@ -3228,8 +3332,8 @@
         </p:nvSpPr>
         <p:spPr>
           <a:xfrm>
-            <a:off x="10967478" y="2729760"/>
-            <a:ext cx="1107996" cy="369332"/>
+            <a:off x="11043678" y="3453660"/>
+            <a:ext cx="646332" cy="369332"/>
           </a:xfrm>
           <a:prstGeom prst="rect">
             <a:avLst/>
@@ -3246,7 +3350,7 @@
               <a:rPr lang="zh-CN" altLang="en-US" dirty="0" smtClean="0">
                 <a:latin typeface="+mn-ea"/>
               </a:rPr>
-              <a:t>执行结果</a:t>
+              <a:t>构造</a:t>
             </a:r>
             <a:endParaRPr lang="zh-CN" altLang="en-US" dirty="0">
               <a:latin typeface="+mn-ea"/>
@@ -3265,8 +3369,8 @@
         </p:nvCxnSpPr>
         <p:spPr>
           <a:xfrm rot="5400000">
-            <a:off x="10514061" y="2669251"/>
-            <a:ext cx="421195" cy="512433"/>
+            <a:off x="10822639" y="3087503"/>
+            <a:ext cx="456365" cy="301159"/>
           </a:xfrm>
           <a:prstGeom prst="bentConnector2">
             <a:avLst/>
@@ -3304,8 +3408,8 @@
         </p:nvCxnSpPr>
         <p:spPr>
           <a:xfrm flipV="1">
-            <a:off x="8813800" y="3414738"/>
-            <a:ext cx="892641" cy="1284262"/>
+            <a:off x="9664700" y="3744938"/>
+            <a:ext cx="473541" cy="1284262"/>
           </a:xfrm>
           <a:prstGeom prst="bentConnector2">
             <a:avLst/>
@@ -3340,7 +3444,7 @@
         </p:nvSpPr>
         <p:spPr>
           <a:xfrm>
-            <a:off x="8961857" y="4188447"/>
+            <a:off x="10193757" y="4505947"/>
             <a:ext cx="649538" cy="369332"/>
           </a:xfrm>
           <a:prstGeom prst="rect">
@@ -3374,8 +3478,8 @@
         </p:nvSpPr>
         <p:spPr>
           <a:xfrm>
-            <a:off x="608501" y="1870270"/>
-            <a:ext cx="1524000" cy="445966"/>
+            <a:off x="1600200" y="2200470"/>
+            <a:ext cx="2119801" cy="445966"/>
           </a:xfrm>
           <a:prstGeom prst="roundRect">
             <a:avLst/>
@@ -3439,7 +3543,7 @@
         </p:nvSpPr>
         <p:spPr>
           <a:xfrm>
-            <a:off x="8146168" y="928265"/>
+            <a:off x="8717668" y="1258465"/>
             <a:ext cx="646332" cy="369332"/>
           </a:xfrm>
           <a:prstGeom prst="rect">
@@ -3470,7 +3574,7 @@
         </p:nvSpPr>
         <p:spPr>
           <a:xfrm>
-            <a:off x="8127888" y="2656105"/>
+            <a:off x="8813688" y="3430805"/>
             <a:ext cx="646332" cy="369332"/>
           </a:xfrm>
           <a:prstGeom prst="rect">
@@ -3493,144 +3597,6 @@
           </a:p>
         </p:txBody>
       </p:sp>
-      <p:cxnSp>
-        <p:nvCxnSpPr>
-          <p:cNvPr id="19" name="直接连接符 18"/>
-          <p:cNvCxnSpPr/>
-          <p:nvPr/>
-        </p:nvCxnSpPr>
-        <p:spPr>
-          <a:xfrm>
-            <a:off x="5330860" y="5982063"/>
-            <a:ext cx="6492840" cy="8708"/>
-          </a:xfrm>
-          <a:prstGeom prst="line">
-            <a:avLst/>
-          </a:prstGeom>
-          <a:ln w="25400">
-            <a:solidFill>
-              <a:schemeClr val="tx1"/>
-            </a:solidFill>
-            <a:prstDash val="dash"/>
-            <a:headEnd type="arrow"/>
-            <a:tailEnd type="arrow"/>
-          </a:ln>
-        </p:spPr>
-        <p:style>
-          <a:lnRef idx="1">
-            <a:schemeClr val="accent1"/>
-          </a:lnRef>
-          <a:fillRef idx="0">
-            <a:schemeClr val="accent1"/>
-          </a:fillRef>
-          <a:effectRef idx="0">
-            <a:schemeClr val="accent1"/>
-          </a:effectRef>
-          <a:fontRef idx="minor">
-            <a:schemeClr val="tx1"/>
-          </a:fontRef>
-        </p:style>
-      </p:cxnSp>
-      <p:cxnSp>
-        <p:nvCxnSpPr>
-          <p:cNvPr id="20" name="直接连接符 19"/>
-          <p:cNvCxnSpPr/>
-          <p:nvPr/>
-        </p:nvCxnSpPr>
-        <p:spPr>
-          <a:xfrm flipV="1">
-            <a:off x="307109" y="5980922"/>
-            <a:ext cx="4502728" cy="1141"/>
-          </a:xfrm>
-          <a:prstGeom prst="line">
-            <a:avLst/>
-          </a:prstGeom>
-          <a:ln w="25400">
-            <a:solidFill>
-              <a:schemeClr val="tx1"/>
-            </a:solidFill>
-            <a:prstDash val="dash"/>
-            <a:headEnd type="arrow"/>
-            <a:tailEnd type="arrow"/>
-          </a:ln>
-        </p:spPr>
-        <p:style>
-          <a:lnRef idx="1">
-            <a:schemeClr val="accent1"/>
-          </a:lnRef>
-          <a:fillRef idx="0">
-            <a:schemeClr val="accent1"/>
-          </a:fillRef>
-          <a:effectRef idx="0">
-            <a:schemeClr val="accent1"/>
-          </a:effectRef>
-          <a:fontRef idx="minor">
-            <a:schemeClr val="tx1"/>
-          </a:fontRef>
-        </p:style>
-      </p:cxnSp>
-      <p:sp>
-        <p:nvSpPr>
-          <p:cNvPr id="21" name="矩形 20"/>
-          <p:cNvSpPr/>
-          <p:nvPr/>
-        </p:nvSpPr>
-        <p:spPr>
-          <a:xfrm>
-            <a:off x="8298024" y="6158468"/>
-            <a:ext cx="646332" cy="369332"/>
-          </a:xfrm>
-          <a:prstGeom prst="rect">
-            <a:avLst/>
-          </a:prstGeom>
-        </p:spPr>
-        <p:txBody>
-          <a:bodyPr wrap="none">
-            <a:spAutoFit/>
-          </a:bodyPr>
-          <a:lstStyle/>
-          <a:p>
-            <a:pPr algn="ctr"/>
-            <a:r>
-              <a:rPr lang="zh-CN" altLang="en-US" dirty="0">
-                <a:latin typeface="+mn-ea"/>
-              </a:rPr>
-              <a:t>训练</a:t>
-            </a:r>
-          </a:p>
-        </p:txBody>
-      </p:sp>
-      <p:sp>
-        <p:nvSpPr>
-          <p:cNvPr id="22" name="矩形 21"/>
-          <p:cNvSpPr/>
-          <p:nvPr/>
-        </p:nvSpPr>
-        <p:spPr>
-          <a:xfrm>
-            <a:off x="2113124" y="6126870"/>
-            <a:ext cx="646332" cy="369332"/>
-          </a:xfrm>
-          <a:prstGeom prst="rect">
-            <a:avLst/>
-          </a:prstGeom>
-        </p:spPr>
-        <p:txBody>
-          <a:bodyPr wrap="none">
-            <a:spAutoFit/>
-          </a:bodyPr>
-          <a:lstStyle/>
-          <a:p>
-            <a:pPr algn="ctr"/>
-            <a:r>
-              <a:rPr lang="zh-CN" altLang="en-US" dirty="0">
-                <a:latin typeface="+mn-ea"/>
-              </a:rPr>
-              <a:t>测试</a:t>
-            </a:r>
-          </a:p>
-        </p:txBody>
-      </p:sp>
       <p:sp>
         <p:nvSpPr>
           <p:cNvPr id="23" name="圆角矩形 22"/>
@@ -3639,8 +3605,8 @@
         </p:nvSpPr>
         <p:spPr>
           <a:xfrm>
-            <a:off x="588847" y="4150439"/>
-            <a:ext cx="1524000" cy="557347"/>
+            <a:off x="1676401" y="4753689"/>
+            <a:ext cx="1981200" cy="485061"/>
           </a:xfrm>
           <a:prstGeom prst="roundRect">
             <a:avLst/>
@@ -3708,7 +3674,7 @@
         </p:nvSpPr>
         <p:spPr>
           <a:xfrm>
-            <a:off x="8082740" y="1887757"/>
+            <a:off x="8933640" y="2217957"/>
             <a:ext cx="370614" cy="369332"/>
           </a:xfrm>
           <a:prstGeom prst="rect">
@@ -3748,7 +3714,7 @@
         </p:nvSpPr>
         <p:spPr>
           <a:xfrm>
-            <a:off x="6044489" y="3406935"/>
+            <a:off x="6895389" y="3737135"/>
             <a:ext cx="511680" cy="369332"/>
           </a:xfrm>
           <a:prstGeom prst="rect">
@@ -3788,8 +3754,8 @@
         </p:nvSpPr>
         <p:spPr>
           <a:xfrm>
-            <a:off x="3854028" y="830399"/>
-            <a:ext cx="3930928" cy="2520085"/>
+            <a:off x="4914900" y="1160599"/>
+            <a:ext cx="3720956" cy="2520085"/>
           </a:xfrm>
           <a:prstGeom prst="rect">
             <a:avLst/>
@@ -3841,7 +3807,7 @@
         </p:nvSpPr>
         <p:spPr>
           <a:xfrm>
-            <a:off x="3862513" y="868139"/>
+            <a:off x="4878513" y="1198339"/>
             <a:ext cx="3908442" cy="369332"/>
           </a:xfrm>
           <a:prstGeom prst="rect">
@@ -3886,7 +3852,7 @@
         </p:nvCxnSpPr>
         <p:spPr>
           <a:xfrm flipH="1">
-            <a:off x="7787944" y="1869039"/>
+            <a:off x="8638844" y="2199239"/>
             <a:ext cx="225738" cy="0"/>
           </a:xfrm>
           <a:prstGeom prst="line">
@@ -3922,7 +3888,7 @@
         </p:nvCxnSpPr>
         <p:spPr>
           <a:xfrm>
-            <a:off x="8029244" y="1856339"/>
+            <a:off x="8899194" y="2186539"/>
             <a:ext cx="0" cy="1770814"/>
           </a:xfrm>
           <a:prstGeom prst="line">
@@ -3958,7 +3924,7 @@
         </p:nvCxnSpPr>
         <p:spPr>
           <a:xfrm flipH="1">
-            <a:off x="6568744" y="3614453"/>
+            <a:off x="7419644" y="3944653"/>
             <a:ext cx="1431157" cy="0"/>
           </a:xfrm>
           <a:prstGeom prst="line">
@@ -3994,7 +3960,7 @@
         </p:nvCxnSpPr>
         <p:spPr>
           <a:xfrm flipV="1">
-            <a:off x="6577501" y="3350483"/>
+            <a:off x="7428401" y="3680683"/>
             <a:ext cx="0" cy="225870"/>
           </a:xfrm>
           <a:prstGeom prst="line">
@@ -4032,8 +3998,8 @@
         </p:nvSpPr>
         <p:spPr>
           <a:xfrm>
-            <a:off x="10417448" y="2052516"/>
-            <a:ext cx="1126852" cy="662354"/>
+            <a:off x="10477500" y="2230316"/>
+            <a:ext cx="1447800" cy="779584"/>
           </a:xfrm>
           <a:prstGeom prst="can">
             <a:avLst/>
@@ -4072,14 +4038,38 @@
           <a:p>
             <a:pPr algn="ctr"/>
             <a:r>
-              <a:rPr lang="zh-CN" altLang="en-US" dirty="0" err="1" smtClean="0">
+              <a:rPr lang="en-US" altLang="zh-CN" dirty="0" err="1" smtClean="0">
                 <a:solidFill>
                   <a:schemeClr val="tx1"/>
                 </a:solidFill>
                 <a:latin typeface="+mn-ea"/>
               </a:rPr>
-              <a:t>数据库</a:t>
-            </a:r>
+              <a:t>WikiSQL</a:t>
+            </a:r>
+            <a:endParaRPr lang="en-US" altLang="zh-CN" dirty="0" smtClean="0">
+              <a:solidFill>
+                <a:schemeClr val="tx1"/>
+              </a:solidFill>
+              <a:latin typeface="+mn-ea"/>
+            </a:endParaRPr>
+          </a:p>
+          <a:p>
+            <a:pPr algn="ctr"/>
+            <a:r>
+              <a:rPr lang="zh-CN" altLang="en-US" dirty="0" smtClean="0">
+                <a:solidFill>
+                  <a:schemeClr val="tx1"/>
+                </a:solidFill>
+                <a:latin typeface="+mn-ea"/>
+              </a:rPr>
+              <a:t>训练数据库</a:t>
+            </a:r>
+            <a:endParaRPr lang="zh-CN" altLang="en-US" dirty="0" smtClean="0">
+              <a:solidFill>
+                <a:schemeClr val="tx1"/>
+              </a:solidFill>
+              <a:latin typeface="+mn-ea"/>
+            </a:endParaRPr>
           </a:p>
         </p:txBody>
       </p:sp>
@@ -4091,7 +4081,7 @@
         </p:nvSpPr>
         <p:spPr>
           <a:xfrm>
-            <a:off x="4476260" y="1691053"/>
+            <a:off x="5441460" y="2021253"/>
             <a:ext cx="1037493" cy="1134208"/>
           </a:xfrm>
           <a:prstGeom prst="rect">
@@ -4144,7 +4134,7 @@
         </p:nvSpPr>
         <p:spPr>
           <a:xfrm>
-            <a:off x="6059851" y="1706686"/>
+            <a:off x="7025051" y="2036886"/>
             <a:ext cx="1037493" cy="1134208"/>
           </a:xfrm>
           <a:prstGeom prst="rect">
@@ -4197,7 +4187,7 @@
         </p:nvSpPr>
         <p:spPr>
           <a:xfrm>
-            <a:off x="6147387" y="2078105"/>
+            <a:off x="7112587" y="2408305"/>
             <a:ext cx="881973" cy="369332"/>
           </a:xfrm>
           <a:prstGeom prst="rect">
@@ -4231,7 +4221,7 @@
         </p:nvCxnSpPr>
         <p:spPr>
           <a:xfrm>
-            <a:off x="5551852" y="2031023"/>
+            <a:off x="6517052" y="2361223"/>
             <a:ext cx="501161" cy="1588"/>
           </a:xfrm>
           <a:prstGeom prst="line">
@@ -4270,7 +4260,7 @@
         </p:nvCxnSpPr>
         <p:spPr>
           <a:xfrm>
-            <a:off x="5550875" y="2445238"/>
+            <a:off x="6516075" y="2775438"/>
             <a:ext cx="501161" cy="1588"/>
           </a:xfrm>
           <a:prstGeom prst="line">
@@ -4303,7 +4293,7 @@
         </p:nvSpPr>
         <p:spPr>
           <a:xfrm>
-            <a:off x="7175500" y="4140200"/>
+            <a:off x="8026400" y="4470400"/>
             <a:ext cx="1638300" cy="1117600"/>
           </a:xfrm>
           <a:prstGeom prst="flowChartMultidocument">
@@ -4367,7 +4357,16 @@
                 </a:solidFill>
                 <a:latin typeface="+mn-ea"/>
               </a:rPr>
-              <a:t>数据集</a:t>
+              <a:t>训练数据</a:t>
+            </a:r>
+            <a:r>
+              <a:rPr lang="zh-CN" altLang="en-US" dirty="0" smtClean="0">
+                <a:solidFill>
+                  <a:schemeClr val="tx1"/>
+                </a:solidFill>
+                <a:latin typeface="+mn-ea"/>
+              </a:rPr>
+              <a:t>集</a:t>
             </a:r>
           </a:p>
         </p:txBody>
@@ -4380,8 +4379,8 @@
         </p:nvSpPr>
         <p:spPr>
           <a:xfrm>
-            <a:off x="190500" y="977900"/>
-            <a:ext cx="2235200" cy="431800"/>
+            <a:off x="1574800" y="1308100"/>
+            <a:ext cx="2095500" cy="431800"/>
           </a:xfrm>
           <a:prstGeom prst="roundRect">
             <a:avLst/>
@@ -4447,12 +4446,12 @@
         </p:nvCxnSpPr>
         <p:spPr>
           <a:xfrm>
-            <a:off x="2425700" y="1193800"/>
-            <a:ext cx="1409700" cy="393700"/>
+            <a:off x="3670300" y="1524000"/>
+            <a:ext cx="1254125" cy="381000"/>
           </a:xfrm>
           <a:prstGeom prst="bentConnector3">
             <a:avLst>
-              <a:gd name="adj1" fmla="val 20270"/>
+              <a:gd name="adj1" fmla="val 24177"/>
             </a:avLst>
           </a:prstGeom>
           <a:ln w="19050">
@@ -4480,17 +4479,19 @@
       <p:cxnSp>
         <p:nvCxnSpPr>
           <p:cNvPr id="61" name="肘形连接符 60"/>
-          <p:cNvCxnSpPr/>
+          <p:cNvCxnSpPr>
+            <a:stCxn id="13" idx="3"/>
+          </p:cNvCxnSpPr>
           <p:nvPr/>
         </p:nvCxnSpPr>
         <p:spPr>
           <a:xfrm flipV="1">
-            <a:off x="2126151" y="1587500"/>
-            <a:ext cx="1677499" cy="505753"/>
+            <a:off x="3720001" y="1905000"/>
+            <a:ext cx="1175849" cy="518453"/>
           </a:xfrm>
           <a:prstGeom prst="bentConnector3">
             <a:avLst>
-              <a:gd name="adj1" fmla="val 34859"/>
+              <a:gd name="adj1" fmla="val 20838"/>
             </a:avLst>
           </a:prstGeom>
           <a:ln w="19050">
@@ -4523,7 +4524,7 @@
         </p:nvSpPr>
         <p:spPr>
           <a:xfrm>
-            <a:off x="2712704" y="1142906"/>
+            <a:off x="3890629" y="1479456"/>
             <a:ext cx="1107996" cy="369332"/>
           </a:xfrm>
           <a:prstGeom prst="rect">
@@ -4557,7 +4558,7 @@
         </p:nvSpPr>
         <p:spPr>
           <a:xfrm>
-            <a:off x="4547187" y="2065405"/>
+            <a:off x="5512387" y="2395605"/>
             <a:ext cx="877164" cy="369332"/>
           </a:xfrm>
           <a:prstGeom prst="rect">
@@ -4593,12 +4594,12 @@
         </p:nvCxnSpPr>
         <p:spPr>
           <a:xfrm rot="10800000" flipV="1">
-            <a:off x="2112848" y="3352799"/>
-            <a:ext cx="2167053" cy="1076313"/>
+            <a:off x="3657602" y="3702048"/>
+            <a:ext cx="2311415" cy="1294172"/>
           </a:xfrm>
           <a:prstGeom prst="bentConnector3">
             <a:avLst>
-              <a:gd name="adj1" fmla="val -400"/>
+              <a:gd name="adj1" fmla="val -1099"/>
             </a:avLst>
           </a:prstGeom>
           <a:ln w="19050">
@@ -4631,8 +4632,8 @@
         </p:nvCxnSpPr>
         <p:spPr>
           <a:xfrm>
-            <a:off x="7785100" y="1384300"/>
-            <a:ext cx="1181100" cy="1588"/>
+            <a:off x="8636000" y="1714500"/>
+            <a:ext cx="720000" cy="1588"/>
           </a:xfrm>
           <a:prstGeom prst="straightConnector1">
             <a:avLst/>
@@ -4667,8 +4668,8 @@
         </p:nvCxnSpPr>
         <p:spPr>
           <a:xfrm>
-            <a:off x="7772400" y="3111500"/>
-            <a:ext cx="1181100" cy="1588"/>
+            <a:off x="8623300" y="3441700"/>
+            <a:ext cx="720000" cy="1588"/>
           </a:xfrm>
           <a:prstGeom prst="straightConnector1">
             <a:avLst/>
@@ -4707,8 +4708,8 @@
         </p:nvCxnSpPr>
         <p:spPr>
           <a:xfrm rot="10800000">
-            <a:off x="5819492" y="3350484"/>
-            <a:ext cx="1356008" cy="1348516"/>
+            <a:off x="6775378" y="3680684"/>
+            <a:ext cx="1251022" cy="1348516"/>
           </a:xfrm>
           <a:prstGeom prst="bentConnector2">
             <a:avLst/>
@@ -4743,7 +4744,7 @@
         </p:nvSpPr>
         <p:spPr>
           <a:xfrm>
-            <a:off x="5875004" y="4254406"/>
+            <a:off x="6725904" y="4584606"/>
             <a:ext cx="1107996" cy="369332"/>
           </a:xfrm>
           <a:prstGeom prst="rect">
@@ -4769,6 +4770,222 @@
           </a:p>
         </p:txBody>
       </p:sp>
+      <p:sp>
+        <p:nvSpPr>
+          <p:cNvPr id="46" name="矩形 45"/>
+          <p:cNvSpPr/>
+          <p:nvPr/>
+        </p:nvSpPr>
+        <p:spPr>
+          <a:xfrm>
+            <a:off x="258924" y="589670"/>
+            <a:ext cx="1107996" cy="369332"/>
+          </a:xfrm>
+          <a:prstGeom prst="rect">
+            <a:avLst/>
+          </a:prstGeom>
+        </p:spPr>
+        <p:txBody>
+          <a:bodyPr wrap="none">
+            <a:spAutoFit/>
+          </a:bodyPr>
+          <a:lstStyle/>
+          <a:p>
+            <a:pPr algn="ctr"/>
+            <a:r>
+              <a:rPr lang="zh-CN" altLang="en-US" dirty="0" smtClean="0">
+                <a:latin typeface="+mn-ea"/>
+              </a:rPr>
+              <a:t>在线生成</a:t>
+            </a:r>
+            <a:endParaRPr lang="zh-CN" altLang="en-US" dirty="0">
+              <a:latin typeface="+mn-ea"/>
+            </a:endParaRPr>
+          </a:p>
+        </p:txBody>
+      </p:sp>
+      <p:sp>
+        <p:nvSpPr>
+          <p:cNvPr id="48" name="矩形 47"/>
+          <p:cNvSpPr/>
+          <p:nvPr/>
+        </p:nvSpPr>
+        <p:spPr>
+          <a:xfrm>
+            <a:off x="6685124" y="589670"/>
+            <a:ext cx="1107996" cy="369332"/>
+          </a:xfrm>
+          <a:prstGeom prst="rect">
+            <a:avLst/>
+          </a:prstGeom>
+        </p:spPr>
+        <p:txBody>
+          <a:bodyPr wrap="none">
+            <a:spAutoFit/>
+          </a:bodyPr>
+          <a:lstStyle/>
+          <a:p>
+            <a:pPr algn="ctr"/>
+            <a:r>
+              <a:rPr lang="zh-CN" altLang="en-US" dirty="0" smtClean="0">
+                <a:latin typeface="+mn-ea"/>
+              </a:rPr>
+              <a:t>离线训练</a:t>
+            </a:r>
+            <a:endParaRPr lang="zh-CN" altLang="en-US" dirty="0">
+              <a:latin typeface="+mn-ea"/>
+            </a:endParaRPr>
+          </a:p>
+        </p:txBody>
+      </p:sp>
+      <p:pic>
+        <p:nvPicPr>
+          <p:cNvPr id="58" name="Picture 2"/>
+          <p:cNvPicPr>
+            <a:picLocks noChangeAspect="1" noChangeArrowheads="1"/>
+          </p:cNvPicPr>
+          <p:nvPr/>
+        </p:nvPicPr>
+        <p:blipFill>
+          <a:blip r:embed="rId2"/>
+          <a:srcRect/>
+          <a:stretch>
+            <a:fillRect/>
+          </a:stretch>
+        </p:blipFill>
+        <p:spPr bwMode="auto">
+          <a:xfrm>
+            <a:off x="114300" y="2768600"/>
+            <a:ext cx="1612568" cy="969966"/>
+          </a:xfrm>
+          <a:prstGeom prst="rect">
+            <a:avLst/>
+          </a:prstGeom>
+          <a:noFill/>
+          <a:ln w="9525">
+            <a:noFill/>
+            <a:miter lim="800000"/>
+            <a:headEnd/>
+            <a:tailEnd/>
+          </a:ln>
+          <a:effectLst/>
+        </p:spPr>
+      </p:pic>
+      <p:cxnSp>
+        <p:nvCxnSpPr>
+          <p:cNvPr id="81" name="直接箭头连接符 80"/>
+          <p:cNvCxnSpPr>
+            <a:stCxn id="58" idx="0"/>
+            <a:endCxn id="47" idx="1"/>
+          </p:cNvCxnSpPr>
+          <p:nvPr/>
+        </p:nvCxnSpPr>
+        <p:spPr>
+          <a:xfrm rot="5400000" flipH="1" flipV="1">
+            <a:off x="625392" y="1819192"/>
+            <a:ext cx="1244600" cy="654216"/>
+          </a:xfrm>
+          <a:prstGeom prst="straightConnector1">
+            <a:avLst/>
+          </a:prstGeom>
+          <a:ln w="19050">
+            <a:solidFill>
+              <a:schemeClr val="tx1"/>
+            </a:solidFill>
+            <a:tailEnd type="triangle"/>
+          </a:ln>
+        </p:spPr>
+        <p:style>
+          <a:lnRef idx="1">
+            <a:schemeClr val="accent1"/>
+          </a:lnRef>
+          <a:fillRef idx="0">
+            <a:schemeClr val="accent1"/>
+          </a:fillRef>
+          <a:effectRef idx="0">
+            <a:schemeClr val="accent1"/>
+          </a:effectRef>
+          <a:fontRef idx="minor">
+            <a:schemeClr val="tx1"/>
+          </a:fontRef>
+        </p:style>
+      </p:cxnSp>
+      <p:cxnSp>
+        <p:nvCxnSpPr>
+          <p:cNvPr id="84" name="直接箭头连接符 83"/>
+          <p:cNvCxnSpPr>
+            <a:endCxn id="13" idx="1"/>
+          </p:cNvCxnSpPr>
+          <p:nvPr/>
+        </p:nvCxnSpPr>
+        <p:spPr>
+          <a:xfrm flipV="1">
+            <a:off x="1092203" y="2423453"/>
+            <a:ext cx="507997" cy="357847"/>
+          </a:xfrm>
+          <a:prstGeom prst="straightConnector1">
+            <a:avLst/>
+          </a:prstGeom>
+          <a:ln w="19050">
+            <a:solidFill>
+              <a:schemeClr val="tx1"/>
+            </a:solidFill>
+            <a:tailEnd type="triangle"/>
+          </a:ln>
+        </p:spPr>
+        <p:style>
+          <a:lnRef idx="1">
+            <a:schemeClr val="accent1"/>
+          </a:lnRef>
+          <a:fillRef idx="0">
+            <a:schemeClr val="accent1"/>
+          </a:fillRef>
+          <a:effectRef idx="0">
+            <a:schemeClr val="accent1"/>
+          </a:effectRef>
+          <a:fontRef idx="minor">
+            <a:schemeClr val="tx1"/>
+          </a:fontRef>
+        </p:style>
+      </p:cxnSp>
+      <p:cxnSp>
+        <p:nvCxnSpPr>
+          <p:cNvPr id="87" name="直接箭头连接符 86"/>
+          <p:cNvCxnSpPr>
+            <a:endCxn id="23" idx="1"/>
+          </p:cNvCxnSpPr>
+          <p:nvPr/>
+        </p:nvCxnSpPr>
+        <p:spPr>
+          <a:xfrm rot="16200000" flipH="1">
+            <a:off x="600609" y="3920427"/>
+            <a:ext cx="1383069" cy="768515"/>
+          </a:xfrm>
+          <a:prstGeom prst="straightConnector1">
+            <a:avLst/>
+          </a:prstGeom>
+          <a:ln w="19050">
+            <a:solidFill>
+              <a:schemeClr val="tx1"/>
+            </a:solidFill>
+            <a:tailEnd type="triangle"/>
+          </a:ln>
+        </p:spPr>
+        <p:style>
+          <a:lnRef idx="1">
+            <a:schemeClr val="accent1"/>
+          </a:lnRef>
+          <a:fillRef idx="0">
+            <a:schemeClr val="accent1"/>
+          </a:fillRef>
+          <a:effectRef idx="0">
+            <a:schemeClr val="accent1"/>
+          </a:effectRef>
+          <a:fontRef idx="minor">
+            <a:schemeClr val="tx1"/>
+          </a:fontRef>
+        </p:style>
+      </p:cxnSp>
     </p:spTree>
   </p:cSld>
   <p:clrMapOvr>
@@ -5032,7 +5249,7 @@
   <a:extraClrSchemeLst/>
   <a:extLst>
     <a:ext uri="{05A4C25C-085E-4340-85A3-A5531E510DB2}">
-      <thm15:themeFamily xmlns="" xmlns:thm15="http://schemas.microsoft.com/office/thememl/2012/main" name="Office Theme" id="{62F939B6-93AF-4DB8-9C6B-D6C7DFDC589F}" vid="{4A3C46E8-61CC-4603-A589-7422A47A8E4A}"/>
+      <thm15:themeFamily xmlns:thm15="http://schemas.microsoft.com/office/thememl/2012/main" xmlns="" name="Office Theme" id="{62F939B6-93AF-4DB8-9C6B-D6C7DFDC589F}" vid="{4A3C46E8-61CC-4603-A589-7422A47A8E4A}"/>
     </a:ext>
   </a:extLst>
 </a:theme>

--- a/论文图/nl2sqlapproach.pptx
+++ b/论文图/nl2sqlapproach.pptx
@@ -106,7 +106,7 @@
   </p:defaultTextStyle>
   <p:extLst>
     <p:ext uri="{EFAFB233-063F-42B5-8137-9DF3F51BA10A}">
-      <p15:sldGuideLst xmlns:p15="http://schemas.microsoft.com/office/powerpoint/2012/main" xmlns=""/>
+      <p15:sldGuideLst xmlns="" xmlns:p15="http://schemas.microsoft.com/office/powerpoint/2012/main"/>
     </p:ext>
   </p:extLst>
 </p:presentation>
@@ -244,7 +244,7 @@
             <a:fld id="{935E760F-A023-4EE4-A330-3CB652C38BC5}" type="datetimeFigureOut">
               <a:rPr lang="zh-CN" altLang="en-US" smtClean="0"/>
               <a:pPr/>
-              <a:t>2018/12/5</a:t>
+              <a:t>2018/12/8</a:t>
             </a:fld>
             <a:endParaRPr lang="zh-CN" altLang="en-US"/>
           </a:p>
@@ -296,7 +296,7 @@
     </p:spTree>
     <p:extLst>
       <p:ext uri="{BB962C8B-B14F-4D97-AF65-F5344CB8AC3E}">
-        <p14:creationId xmlns:p14="http://schemas.microsoft.com/office/powerpoint/2010/main" xmlns="" val="3897304449"/>
+        <p14:creationId xmlns="" xmlns:p14="http://schemas.microsoft.com/office/powerpoint/2010/main" val="3897304449"/>
       </p:ext>
     </p:extLst>
   </p:cSld>
@@ -416,7 +416,7 @@
             <a:fld id="{935E760F-A023-4EE4-A330-3CB652C38BC5}" type="datetimeFigureOut">
               <a:rPr lang="zh-CN" altLang="en-US" smtClean="0"/>
               <a:pPr/>
-              <a:t>2018/12/5</a:t>
+              <a:t>2018/12/8</a:t>
             </a:fld>
             <a:endParaRPr lang="zh-CN" altLang="en-US"/>
           </a:p>
@@ -468,7 +468,7 @@
     </p:spTree>
     <p:extLst>
       <p:ext uri="{BB962C8B-B14F-4D97-AF65-F5344CB8AC3E}">
-        <p14:creationId xmlns:p14="http://schemas.microsoft.com/office/powerpoint/2010/main" xmlns="" val="2581975446"/>
+        <p14:creationId xmlns="" xmlns:p14="http://schemas.microsoft.com/office/powerpoint/2010/main" val="2581975446"/>
       </p:ext>
     </p:extLst>
   </p:cSld>
@@ -598,7 +598,7 @@
             <a:fld id="{935E760F-A023-4EE4-A330-3CB652C38BC5}" type="datetimeFigureOut">
               <a:rPr lang="zh-CN" altLang="en-US" smtClean="0"/>
               <a:pPr/>
-              <a:t>2018/12/5</a:t>
+              <a:t>2018/12/8</a:t>
             </a:fld>
             <a:endParaRPr lang="zh-CN" altLang="en-US"/>
           </a:p>
@@ -650,7 +650,7 @@
     </p:spTree>
     <p:extLst>
       <p:ext uri="{BB962C8B-B14F-4D97-AF65-F5344CB8AC3E}">
-        <p14:creationId xmlns:p14="http://schemas.microsoft.com/office/powerpoint/2010/main" xmlns="" val="3572540496"/>
+        <p14:creationId xmlns="" xmlns:p14="http://schemas.microsoft.com/office/powerpoint/2010/main" val="3572540496"/>
       </p:ext>
     </p:extLst>
   </p:cSld>
@@ -770,7 +770,7 @@
             <a:fld id="{935E760F-A023-4EE4-A330-3CB652C38BC5}" type="datetimeFigureOut">
               <a:rPr lang="zh-CN" altLang="en-US" smtClean="0"/>
               <a:pPr/>
-              <a:t>2018/12/5</a:t>
+              <a:t>2018/12/8</a:t>
             </a:fld>
             <a:endParaRPr lang="zh-CN" altLang="en-US"/>
           </a:p>
@@ -822,7 +822,7 @@
     </p:spTree>
     <p:extLst>
       <p:ext uri="{BB962C8B-B14F-4D97-AF65-F5344CB8AC3E}">
-        <p14:creationId xmlns:p14="http://schemas.microsoft.com/office/powerpoint/2010/main" xmlns="" val="665454786"/>
+        <p14:creationId xmlns="" xmlns:p14="http://schemas.microsoft.com/office/powerpoint/2010/main" val="665454786"/>
       </p:ext>
     </p:extLst>
   </p:cSld>
@@ -1018,7 +1018,7 @@
             <a:fld id="{935E760F-A023-4EE4-A330-3CB652C38BC5}" type="datetimeFigureOut">
               <a:rPr lang="zh-CN" altLang="en-US" smtClean="0"/>
               <a:pPr/>
-              <a:t>2018/12/5</a:t>
+              <a:t>2018/12/8</a:t>
             </a:fld>
             <a:endParaRPr lang="zh-CN" altLang="en-US"/>
           </a:p>
@@ -1070,7 +1070,7 @@
     </p:spTree>
     <p:extLst>
       <p:ext uri="{BB962C8B-B14F-4D97-AF65-F5344CB8AC3E}">
-        <p14:creationId xmlns:p14="http://schemas.microsoft.com/office/powerpoint/2010/main" xmlns="" val="2067675600"/>
+        <p14:creationId xmlns="" xmlns:p14="http://schemas.microsoft.com/office/powerpoint/2010/main" val="2067675600"/>
       </p:ext>
     </p:extLst>
   </p:cSld>
@@ -1252,7 +1252,7 @@
             <a:fld id="{935E760F-A023-4EE4-A330-3CB652C38BC5}" type="datetimeFigureOut">
               <a:rPr lang="zh-CN" altLang="en-US" smtClean="0"/>
               <a:pPr/>
-              <a:t>2018/12/5</a:t>
+              <a:t>2018/12/8</a:t>
             </a:fld>
             <a:endParaRPr lang="zh-CN" altLang="en-US"/>
           </a:p>
@@ -1304,7 +1304,7 @@
     </p:spTree>
     <p:extLst>
       <p:ext uri="{BB962C8B-B14F-4D97-AF65-F5344CB8AC3E}">
-        <p14:creationId xmlns:p14="http://schemas.microsoft.com/office/powerpoint/2010/main" xmlns="" val="2502697245"/>
+        <p14:creationId xmlns="" xmlns:p14="http://schemas.microsoft.com/office/powerpoint/2010/main" val="2502697245"/>
       </p:ext>
     </p:extLst>
   </p:cSld>
@@ -1621,7 +1621,7 @@
             <a:fld id="{935E760F-A023-4EE4-A330-3CB652C38BC5}" type="datetimeFigureOut">
               <a:rPr lang="zh-CN" altLang="en-US" smtClean="0"/>
               <a:pPr/>
-              <a:t>2018/12/5</a:t>
+              <a:t>2018/12/8</a:t>
             </a:fld>
             <a:endParaRPr lang="zh-CN" altLang="en-US"/>
           </a:p>
@@ -1673,7 +1673,7 @@
     </p:spTree>
     <p:extLst>
       <p:ext uri="{BB962C8B-B14F-4D97-AF65-F5344CB8AC3E}">
-        <p14:creationId xmlns:p14="http://schemas.microsoft.com/office/powerpoint/2010/main" xmlns="" val="3030045275"/>
+        <p14:creationId xmlns="" xmlns:p14="http://schemas.microsoft.com/office/powerpoint/2010/main" val="3030045275"/>
       </p:ext>
     </p:extLst>
   </p:cSld>
@@ -1741,7 +1741,7 @@
             <a:fld id="{935E760F-A023-4EE4-A330-3CB652C38BC5}" type="datetimeFigureOut">
               <a:rPr lang="zh-CN" altLang="en-US" smtClean="0"/>
               <a:pPr/>
-              <a:t>2018/12/5</a:t>
+              <a:t>2018/12/8</a:t>
             </a:fld>
             <a:endParaRPr lang="zh-CN" altLang="en-US"/>
           </a:p>
@@ -1793,7 +1793,7 @@
     </p:spTree>
     <p:extLst>
       <p:ext uri="{BB962C8B-B14F-4D97-AF65-F5344CB8AC3E}">
-        <p14:creationId xmlns:p14="http://schemas.microsoft.com/office/powerpoint/2010/main" xmlns="" val="787869428"/>
+        <p14:creationId xmlns="" xmlns:p14="http://schemas.microsoft.com/office/powerpoint/2010/main" val="787869428"/>
       </p:ext>
     </p:extLst>
   </p:cSld>
@@ -1838,7 +1838,7 @@
             <a:fld id="{935E760F-A023-4EE4-A330-3CB652C38BC5}" type="datetimeFigureOut">
               <a:rPr lang="zh-CN" altLang="en-US" smtClean="0"/>
               <a:pPr/>
-              <a:t>2018/12/5</a:t>
+              <a:t>2018/12/8</a:t>
             </a:fld>
             <a:endParaRPr lang="zh-CN" altLang="en-US"/>
           </a:p>
@@ -1890,7 +1890,7 @@
     </p:spTree>
     <p:extLst>
       <p:ext uri="{BB962C8B-B14F-4D97-AF65-F5344CB8AC3E}">
-        <p14:creationId xmlns:p14="http://schemas.microsoft.com/office/powerpoint/2010/main" xmlns="" val="813101938"/>
+        <p14:creationId xmlns="" xmlns:p14="http://schemas.microsoft.com/office/powerpoint/2010/main" val="813101938"/>
       </p:ext>
     </p:extLst>
   </p:cSld>
@@ -2117,7 +2117,7 @@
             <a:fld id="{935E760F-A023-4EE4-A330-3CB652C38BC5}" type="datetimeFigureOut">
               <a:rPr lang="zh-CN" altLang="en-US" smtClean="0"/>
               <a:pPr/>
-              <a:t>2018/12/5</a:t>
+              <a:t>2018/12/8</a:t>
             </a:fld>
             <a:endParaRPr lang="zh-CN" altLang="en-US"/>
           </a:p>
@@ -2169,7 +2169,7 @@
     </p:spTree>
     <p:extLst>
       <p:ext uri="{BB962C8B-B14F-4D97-AF65-F5344CB8AC3E}">
-        <p14:creationId xmlns:p14="http://schemas.microsoft.com/office/powerpoint/2010/main" xmlns="" val="1630772684"/>
+        <p14:creationId xmlns="" xmlns:p14="http://schemas.microsoft.com/office/powerpoint/2010/main" val="1630772684"/>
       </p:ext>
     </p:extLst>
   </p:cSld>
@@ -2372,7 +2372,7 @@
             <a:fld id="{935E760F-A023-4EE4-A330-3CB652C38BC5}" type="datetimeFigureOut">
               <a:rPr lang="zh-CN" altLang="en-US" smtClean="0"/>
               <a:pPr/>
-              <a:t>2018/12/5</a:t>
+              <a:t>2018/12/8</a:t>
             </a:fld>
             <a:endParaRPr lang="zh-CN" altLang="en-US"/>
           </a:p>
@@ -2424,7 +2424,7 @@
     </p:spTree>
     <p:extLst>
       <p:ext uri="{BB962C8B-B14F-4D97-AF65-F5344CB8AC3E}">
-        <p14:creationId xmlns:p14="http://schemas.microsoft.com/office/powerpoint/2010/main" xmlns="" val="829702776"/>
+        <p14:creationId xmlns="" xmlns:p14="http://schemas.microsoft.com/office/powerpoint/2010/main" val="829702776"/>
       </p:ext>
     </p:extLst>
   </p:cSld>
@@ -2587,7 +2587,7 @@
             <a:fld id="{935E760F-A023-4EE4-A330-3CB652C38BC5}" type="datetimeFigureOut">
               <a:rPr lang="zh-CN" altLang="en-US" smtClean="0"/>
               <a:pPr/>
-              <a:t>2018/12/5</a:t>
+              <a:t>2018/12/8</a:t>
             </a:fld>
             <a:endParaRPr lang="zh-CN" altLang="en-US"/>
           </a:p>
@@ -2675,7 +2675,7 @@
     </p:spTree>
     <p:extLst>
       <p:ext uri="{BB962C8B-B14F-4D97-AF65-F5344CB8AC3E}">
-        <p14:creationId xmlns:p14="http://schemas.microsoft.com/office/powerpoint/2010/main" xmlns="" val="698849511"/>
+        <p14:creationId xmlns="" xmlns:p14="http://schemas.microsoft.com/office/powerpoint/2010/main" val="698849511"/>
       </p:ext>
     </p:extLst>
   </p:cSld>
@@ -3105,7 +3105,7 @@
         </p:nvSpPr>
         <p:spPr>
           <a:xfrm>
-            <a:off x="9362811" y="1463424"/>
+            <a:off x="9172311" y="1463424"/>
             <a:ext cx="1524000" cy="557347"/>
           </a:xfrm>
           <a:prstGeom prst="roundRect">
@@ -3182,8 +3182,8 @@
         </p:nvCxnSpPr>
         <p:spPr>
           <a:xfrm>
-            <a:off x="10886811" y="1742098"/>
-            <a:ext cx="314589" cy="488218"/>
+            <a:off x="10696311" y="1742098"/>
+            <a:ext cx="505089" cy="307243"/>
           </a:xfrm>
           <a:prstGeom prst="bentConnector2">
             <a:avLst/>
@@ -3249,8 +3249,8 @@
         </p:nvSpPr>
         <p:spPr>
           <a:xfrm>
-            <a:off x="9376241" y="3187591"/>
-            <a:ext cx="1524000" cy="557347"/>
+            <a:off x="9185741" y="3209925"/>
+            <a:ext cx="1453684" cy="535013"/>
           </a:xfrm>
           <a:prstGeom prst="roundRect">
             <a:avLst/>
@@ -3324,53 +3324,19 @@
           </a:p>
         </p:txBody>
       </p:sp>
-      <p:sp>
-        <p:nvSpPr>
-          <p:cNvPr id="8" name="矩形 7"/>
-          <p:cNvSpPr/>
-          <p:nvPr/>
-        </p:nvSpPr>
-        <p:spPr>
-          <a:xfrm>
-            <a:off x="11043678" y="3453660"/>
-            <a:ext cx="646332" cy="369332"/>
-          </a:xfrm>
-          <a:prstGeom prst="rect">
-            <a:avLst/>
-          </a:prstGeom>
-        </p:spPr>
-        <p:txBody>
-          <a:bodyPr wrap="none">
-            <a:spAutoFit/>
-          </a:bodyPr>
-          <a:lstStyle/>
-          <a:p>
-            <a:pPr algn="ctr"/>
-            <a:r>
-              <a:rPr lang="zh-CN" altLang="en-US" dirty="0" smtClean="0">
-                <a:latin typeface="+mn-ea"/>
-              </a:rPr>
-              <a:t>构造</a:t>
-            </a:r>
-            <a:endParaRPr lang="zh-CN" altLang="en-US" dirty="0">
-              <a:latin typeface="+mn-ea"/>
-            </a:endParaRPr>
-          </a:p>
-        </p:txBody>
-      </p:sp>
       <p:cxnSp>
         <p:nvCxnSpPr>
-          <p:cNvPr id="9" name="肘形连接符 20"/>
+          <p:cNvPr id="10" name="肘形连接符 23"/>
           <p:cNvCxnSpPr>
-            <a:stCxn id="34" idx="3"/>
-            <a:endCxn id="7" idx="3"/>
+            <a:stCxn id="43" idx="3"/>
+            <a:endCxn id="7" idx="2"/>
           </p:cNvCxnSpPr>
           <p:nvPr/>
         </p:nvCxnSpPr>
         <p:spPr>
-          <a:xfrm rot="5400000">
-            <a:off x="10822639" y="3087503"/>
-            <a:ext cx="456365" cy="301159"/>
+          <a:xfrm flipV="1">
+            <a:off x="9664700" y="3744938"/>
+            <a:ext cx="247883" cy="1284262"/>
           </a:xfrm>
           <a:prstGeom prst="bentConnector2">
             <a:avLst/>
@@ -3397,45 +3363,6 @@
           </a:fontRef>
         </p:style>
       </p:cxnSp>
-      <p:cxnSp>
-        <p:nvCxnSpPr>
-          <p:cNvPr id="10" name="肘形连接符 23"/>
-          <p:cNvCxnSpPr>
-            <a:stCxn id="43" idx="3"/>
-            <a:endCxn id="7" idx="2"/>
-          </p:cNvCxnSpPr>
-          <p:nvPr/>
-        </p:nvCxnSpPr>
-        <p:spPr>
-          <a:xfrm flipV="1">
-            <a:off x="9664700" y="3744938"/>
-            <a:ext cx="473541" cy="1284262"/>
-          </a:xfrm>
-          <a:prstGeom prst="bentConnector2">
-            <a:avLst/>
-          </a:prstGeom>
-          <a:ln w="19050">
-            <a:solidFill>
-              <a:schemeClr val="tx1"/>
-            </a:solidFill>
-            <a:tailEnd type="triangle"/>
-          </a:ln>
-        </p:spPr>
-        <p:style>
-          <a:lnRef idx="1">
-            <a:schemeClr val="accent1"/>
-          </a:lnRef>
-          <a:fillRef idx="0">
-            <a:schemeClr val="accent1"/>
-          </a:fillRef>
-          <a:effectRef idx="0">
-            <a:schemeClr val="accent1"/>
-          </a:effectRef>
-          <a:fontRef idx="minor">
-            <a:schemeClr val="tx1"/>
-          </a:fontRef>
-        </p:style>
-      </p:cxnSp>
       <p:sp>
         <p:nvSpPr>
           <p:cNvPr id="12" name="矩形 11"/>
@@ -3478,7 +3405,7 @@
         </p:nvSpPr>
         <p:spPr>
           <a:xfrm>
-            <a:off x="1600200" y="2200470"/>
+            <a:off x="1104900" y="2200470"/>
             <a:ext cx="2119801" cy="445966"/>
           </a:xfrm>
           <a:prstGeom prst="roundRect">
@@ -3574,7 +3501,7 @@
         </p:nvSpPr>
         <p:spPr>
           <a:xfrm>
-            <a:off x="8813688" y="3430805"/>
+            <a:off x="8623188" y="3430805"/>
             <a:ext cx="646332" cy="369332"/>
           </a:xfrm>
           <a:prstGeom prst="rect">
@@ -3998,7 +3925,7 @@
         </p:nvSpPr>
         <p:spPr>
           <a:xfrm>
-            <a:off x="10477500" y="2230316"/>
+            <a:off x="10477500" y="2049341"/>
             <a:ext cx="1447800" cy="779584"/>
           </a:xfrm>
           <a:prstGeom prst="can">
@@ -4064,12 +3991,6 @@
               </a:rPr>
               <a:t>训练数据库</a:t>
             </a:r>
-            <a:endParaRPr lang="zh-CN" altLang="en-US" dirty="0" smtClean="0">
-              <a:solidFill>
-                <a:schemeClr val="tx1"/>
-              </a:solidFill>
-              <a:latin typeface="+mn-ea"/>
-            </a:endParaRPr>
           </a:p>
         </p:txBody>
       </p:sp>
@@ -4357,16 +4278,7 @@
                 </a:solidFill>
                 <a:latin typeface="+mn-ea"/>
               </a:rPr>
-              <a:t>训练数据</a:t>
-            </a:r>
-            <a:r>
-              <a:rPr lang="zh-CN" altLang="en-US" dirty="0" smtClean="0">
-                <a:solidFill>
-                  <a:schemeClr val="tx1"/>
-                </a:solidFill>
-                <a:latin typeface="+mn-ea"/>
-              </a:rPr>
-              <a:t>集</a:t>
+              <a:t>训练数据集</a:t>
             </a:r>
           </a:p>
         </p:txBody>
@@ -4379,7 +4291,7 @@
         </p:nvSpPr>
         <p:spPr>
           <a:xfrm>
-            <a:off x="1574800" y="1308100"/>
+            <a:off x="1117600" y="1308100"/>
             <a:ext cx="2095500" cy="431800"/>
           </a:xfrm>
           <a:prstGeom prst="roundRect">
@@ -4441,17 +4353,18 @@
           <p:cNvPr id="59" name="肘形连接符 58"/>
           <p:cNvCxnSpPr>
             <a:stCxn id="47" idx="3"/>
+            <a:endCxn id="49" idx="1"/>
           </p:cNvCxnSpPr>
           <p:nvPr/>
         </p:nvCxnSpPr>
         <p:spPr>
           <a:xfrm>
-            <a:off x="3670300" y="1524000"/>
-            <a:ext cx="1254125" cy="381000"/>
+            <a:off x="3213100" y="1524000"/>
+            <a:ext cx="615951" cy="421117"/>
           </a:xfrm>
           <a:prstGeom prst="bentConnector3">
             <a:avLst>
-              <a:gd name="adj1" fmla="val 24177"/>
+              <a:gd name="adj1" fmla="val 50000"/>
             </a:avLst>
           </a:prstGeom>
           <a:ln w="19050">
@@ -4481,17 +4394,18 @@
           <p:cNvPr id="61" name="肘形连接符 60"/>
           <p:cNvCxnSpPr>
             <a:stCxn id="13" idx="3"/>
+            <a:endCxn id="49" idx="1"/>
           </p:cNvCxnSpPr>
           <p:nvPr/>
         </p:nvCxnSpPr>
         <p:spPr>
           <a:xfrm flipV="1">
-            <a:off x="3720001" y="1905000"/>
-            <a:ext cx="1175849" cy="518453"/>
+            <a:off x="3224701" y="1945117"/>
+            <a:ext cx="604350" cy="478336"/>
           </a:xfrm>
           <a:prstGeom prst="bentConnector3">
             <a:avLst>
-              <a:gd name="adj1" fmla="val 20838"/>
+              <a:gd name="adj1" fmla="val 46848"/>
             </a:avLst>
           </a:prstGeom>
           <a:ln w="19050">
@@ -4516,40 +4430,6 @@
           </a:fontRef>
         </p:style>
       </p:cxnSp>
-      <p:sp>
-        <p:nvSpPr>
-          <p:cNvPr id="76" name="矩形 75"/>
-          <p:cNvSpPr/>
-          <p:nvPr/>
-        </p:nvSpPr>
-        <p:spPr>
-          <a:xfrm>
-            <a:off x="3890629" y="1479456"/>
-            <a:ext cx="1107996" cy="369332"/>
-          </a:xfrm>
-          <a:prstGeom prst="rect">
-            <a:avLst/>
-          </a:prstGeom>
-        </p:spPr>
-        <p:txBody>
-          <a:bodyPr wrap="none">
-            <a:spAutoFit/>
-          </a:bodyPr>
-          <a:lstStyle/>
-          <a:p>
-            <a:pPr algn="ctr"/>
-            <a:r>
-              <a:rPr lang="zh-CN" altLang="en-US" dirty="0" smtClean="0">
-                <a:latin typeface="+mn-ea"/>
-              </a:rPr>
-              <a:t>序列表示</a:t>
-            </a:r>
-            <a:endParaRPr lang="zh-CN" altLang="en-US" dirty="0">
-              <a:latin typeface="+mn-ea"/>
-            </a:endParaRPr>
-          </a:p>
-        </p:txBody>
-      </p:sp>
       <p:sp>
         <p:nvSpPr>
           <p:cNvPr id="77" name="矩形 76"/>
@@ -4633,7 +4513,7 @@
         <p:spPr>
           <a:xfrm>
             <a:off x="8636000" y="1714500"/>
-            <a:ext cx="720000" cy="1588"/>
+            <a:ext cx="540000" cy="1588"/>
           </a:xfrm>
           <a:prstGeom prst="straightConnector1">
             <a:avLst/>
@@ -4668,8 +4548,8 @@
         </p:nvCxnSpPr>
         <p:spPr>
           <a:xfrm>
-            <a:off x="8623300" y="3441700"/>
-            <a:ext cx="720000" cy="1588"/>
+            <a:off x="8632825" y="3441700"/>
+            <a:ext cx="540000" cy="1588"/>
           </a:xfrm>
           <a:prstGeom prst="straightConnector1">
             <a:avLst/>
@@ -4701,15 +4581,15 @@
         <p:nvCxnSpPr>
           <p:cNvPr id="112" name="肘形连接符 23"/>
           <p:cNvCxnSpPr>
-            <a:stCxn id="43" idx="1"/>
+            <a:stCxn id="64" idx="1"/>
             <a:endCxn id="28" idx="2"/>
           </p:cNvCxnSpPr>
           <p:nvPr/>
         </p:nvCxnSpPr>
         <p:spPr>
           <a:xfrm rot="10800000">
-            <a:off x="6775378" y="3680684"/>
-            <a:ext cx="1251022" cy="1348516"/>
+            <a:off x="6775379" y="3680684"/>
+            <a:ext cx="158823" cy="1283858"/>
           </a:xfrm>
           <a:prstGeom prst="bentConnector2">
             <a:avLst/>
@@ -4736,40 +4616,6 @@
           </a:fontRef>
         </p:style>
       </p:cxnSp>
-      <p:sp>
-        <p:nvSpPr>
-          <p:cNvPr id="115" name="矩形 114"/>
-          <p:cNvSpPr/>
-          <p:nvPr/>
-        </p:nvSpPr>
-        <p:spPr>
-          <a:xfrm>
-            <a:off x="6725904" y="4584606"/>
-            <a:ext cx="1107996" cy="369332"/>
-          </a:xfrm>
-          <a:prstGeom prst="rect">
-            <a:avLst/>
-          </a:prstGeom>
-        </p:spPr>
-        <p:txBody>
-          <a:bodyPr wrap="none">
-            <a:spAutoFit/>
-          </a:bodyPr>
-          <a:lstStyle/>
-          <a:p>
-            <a:pPr algn="ctr"/>
-            <a:r>
-              <a:rPr lang="zh-CN" altLang="en-US" dirty="0" smtClean="0">
-                <a:latin typeface="+mn-ea"/>
-              </a:rPr>
-              <a:t>序列表示</a:t>
-            </a:r>
-            <a:endParaRPr lang="zh-CN" altLang="en-US" dirty="0">
-              <a:latin typeface="+mn-ea"/>
-            </a:endParaRPr>
-          </a:p>
-        </p:txBody>
-      </p:sp>
       <p:sp>
         <p:nvSpPr>
           <p:cNvPr id="46" name="矩形 45"/>
@@ -4875,15 +4721,14 @@
         <p:nvCxnSpPr>
           <p:cNvPr id="81" name="直接箭头连接符 80"/>
           <p:cNvCxnSpPr>
-            <a:stCxn id="58" idx="0"/>
             <a:endCxn id="47" idx="1"/>
           </p:cNvCxnSpPr>
           <p:nvPr/>
         </p:nvCxnSpPr>
         <p:spPr>
           <a:xfrm rot="5400000" flipH="1" flipV="1">
-            <a:off x="625392" y="1819192"/>
-            <a:ext cx="1244600" cy="654216"/>
+            <a:off x="249239" y="1931989"/>
+            <a:ext cx="1276350" cy="460372"/>
           </a:xfrm>
           <a:prstGeom prst="straightConnector1">
             <a:avLst/>
@@ -4919,9 +4764,9 @@
           <p:nvPr/>
         </p:nvCxnSpPr>
         <p:spPr>
-          <a:xfrm flipV="1">
-            <a:off x="1092203" y="2423453"/>
-            <a:ext cx="507997" cy="357847"/>
+          <a:xfrm rot="5400000" flipH="1" flipV="1">
+            <a:off x="764051" y="2469027"/>
+            <a:ext cx="386422" cy="295275"/>
           </a:xfrm>
           <a:prstGeom prst="straightConnector1">
             <a:avLst/>
@@ -4969,6 +4814,374 @@
               <a:schemeClr val="tx1"/>
             </a:solidFill>
             <a:tailEnd type="triangle"/>
+          </a:ln>
+        </p:spPr>
+        <p:style>
+          <a:lnRef idx="1">
+            <a:schemeClr val="accent1"/>
+          </a:lnRef>
+          <a:fillRef idx="0">
+            <a:schemeClr val="accent1"/>
+          </a:fillRef>
+          <a:effectRef idx="0">
+            <a:schemeClr val="accent1"/>
+          </a:effectRef>
+          <a:fontRef idx="minor">
+            <a:schemeClr val="tx1"/>
+          </a:fontRef>
+        </p:style>
+      </p:cxnSp>
+      <p:sp>
+        <p:nvSpPr>
+          <p:cNvPr id="49" name="矩形 48"/>
+          <p:cNvSpPr/>
+          <p:nvPr/>
+        </p:nvSpPr>
+        <p:spPr>
+          <a:xfrm>
+            <a:off x="3829051" y="1600200"/>
+            <a:ext cx="761999" cy="689834"/>
+          </a:xfrm>
+          <a:prstGeom prst="rect">
+            <a:avLst/>
+          </a:prstGeom>
+          <a:solidFill>
+            <a:srgbClr val="EEECE1"/>
+          </a:solidFill>
+          <a:ln w="19050">
+            <a:solidFill>
+              <a:schemeClr val="tx1"/>
+            </a:solidFill>
+          </a:ln>
+        </p:spPr>
+        <p:style>
+          <a:lnRef idx="2">
+            <a:schemeClr val="accent1">
+              <a:shade val="50000"/>
+            </a:schemeClr>
+          </a:lnRef>
+          <a:fillRef idx="1">
+            <a:schemeClr val="accent1"/>
+          </a:fillRef>
+          <a:effectRef idx="0">
+            <a:schemeClr val="accent1"/>
+          </a:effectRef>
+          <a:fontRef idx="minor">
+            <a:schemeClr val="lt1"/>
+          </a:fontRef>
+        </p:style>
+        <p:txBody>
+          <a:bodyPr rtlCol="0" anchor="ctr"/>
+          <a:lstStyle/>
+          <a:p>
+            <a:pPr algn="ctr"/>
+            <a:r>
+              <a:rPr lang="zh-CN" altLang="en-US" dirty="0" smtClean="0">
+                <a:solidFill>
+                  <a:schemeClr val="tx1"/>
+                </a:solidFill>
+                <a:latin typeface="+mn-ea"/>
+              </a:rPr>
+              <a:t>序列</a:t>
+            </a:r>
+            <a:endParaRPr lang="en-US" altLang="zh-CN" dirty="0" smtClean="0">
+              <a:solidFill>
+                <a:schemeClr val="tx1"/>
+              </a:solidFill>
+              <a:latin typeface="+mn-ea"/>
+            </a:endParaRPr>
+          </a:p>
+          <a:p>
+            <a:pPr algn="ctr"/>
+            <a:r>
+              <a:rPr lang="zh-CN" altLang="en-US" dirty="0" smtClean="0">
+                <a:solidFill>
+                  <a:schemeClr val="tx1"/>
+                </a:solidFill>
+                <a:latin typeface="+mn-ea"/>
+              </a:rPr>
+              <a:t>表示</a:t>
+            </a:r>
+            <a:endParaRPr lang="zh-CN" altLang="en-US" dirty="0">
+              <a:solidFill>
+                <a:schemeClr val="tx1"/>
+              </a:solidFill>
+              <a:latin typeface="+mn-ea"/>
+            </a:endParaRPr>
+          </a:p>
+        </p:txBody>
+      </p:sp>
+      <p:cxnSp>
+        <p:nvCxnSpPr>
+          <p:cNvPr id="60" name="直接箭头连接符 59"/>
+          <p:cNvCxnSpPr/>
+          <p:nvPr/>
+        </p:nvCxnSpPr>
+        <p:spPr>
+          <a:xfrm>
+            <a:off x="4587875" y="1943100"/>
+            <a:ext cx="346075" cy="1588"/>
+          </a:xfrm>
+          <a:prstGeom prst="straightConnector1">
+            <a:avLst/>
+          </a:prstGeom>
+          <a:ln w="19050">
+            <a:solidFill>
+              <a:schemeClr val="tx1"/>
+            </a:solidFill>
+            <a:tailEnd type="triangle"/>
+          </a:ln>
+        </p:spPr>
+        <p:style>
+          <a:lnRef idx="1">
+            <a:schemeClr val="accent1"/>
+          </a:lnRef>
+          <a:fillRef idx="0">
+            <a:schemeClr val="accent1"/>
+          </a:fillRef>
+          <a:effectRef idx="0">
+            <a:schemeClr val="accent1"/>
+          </a:effectRef>
+          <a:fontRef idx="minor">
+            <a:schemeClr val="tx1"/>
+          </a:fontRef>
+        </p:style>
+      </p:cxnSp>
+      <p:sp>
+        <p:nvSpPr>
+          <p:cNvPr id="64" name="矩形 63"/>
+          <p:cNvSpPr/>
+          <p:nvPr/>
+        </p:nvSpPr>
+        <p:spPr>
+          <a:xfrm>
+            <a:off x="6934201" y="4619625"/>
+            <a:ext cx="761999" cy="689834"/>
+          </a:xfrm>
+          <a:prstGeom prst="rect">
+            <a:avLst/>
+          </a:prstGeom>
+          <a:solidFill>
+            <a:srgbClr val="EEECE1"/>
+          </a:solidFill>
+          <a:ln w="19050">
+            <a:solidFill>
+              <a:schemeClr val="tx1"/>
+            </a:solidFill>
+          </a:ln>
+        </p:spPr>
+        <p:style>
+          <a:lnRef idx="2">
+            <a:schemeClr val="accent1">
+              <a:shade val="50000"/>
+            </a:schemeClr>
+          </a:lnRef>
+          <a:fillRef idx="1">
+            <a:schemeClr val="accent1"/>
+          </a:fillRef>
+          <a:effectRef idx="0">
+            <a:schemeClr val="accent1"/>
+          </a:effectRef>
+          <a:fontRef idx="minor">
+            <a:schemeClr val="lt1"/>
+          </a:fontRef>
+        </p:style>
+        <p:txBody>
+          <a:bodyPr rtlCol="0" anchor="ctr"/>
+          <a:lstStyle/>
+          <a:p>
+            <a:pPr algn="ctr"/>
+            <a:r>
+              <a:rPr lang="zh-CN" altLang="en-US" dirty="0" smtClean="0">
+                <a:solidFill>
+                  <a:schemeClr val="tx1"/>
+                </a:solidFill>
+                <a:latin typeface="+mn-ea"/>
+              </a:rPr>
+              <a:t>序列</a:t>
+            </a:r>
+            <a:endParaRPr lang="en-US" altLang="zh-CN" dirty="0" smtClean="0">
+              <a:solidFill>
+                <a:schemeClr val="tx1"/>
+              </a:solidFill>
+              <a:latin typeface="+mn-ea"/>
+            </a:endParaRPr>
+          </a:p>
+          <a:p>
+            <a:pPr algn="ctr"/>
+            <a:r>
+              <a:rPr lang="zh-CN" altLang="en-US" dirty="0" smtClean="0">
+                <a:solidFill>
+                  <a:schemeClr val="tx1"/>
+                </a:solidFill>
+                <a:latin typeface="+mn-ea"/>
+              </a:rPr>
+              <a:t>表示</a:t>
+            </a:r>
+            <a:endParaRPr lang="zh-CN" altLang="en-US" dirty="0">
+              <a:solidFill>
+                <a:schemeClr val="tx1"/>
+              </a:solidFill>
+              <a:latin typeface="+mn-ea"/>
+            </a:endParaRPr>
+          </a:p>
+        </p:txBody>
+      </p:sp>
+      <p:cxnSp>
+        <p:nvCxnSpPr>
+          <p:cNvPr id="65" name="直接箭头连接符 64"/>
+          <p:cNvCxnSpPr/>
+          <p:nvPr/>
+        </p:nvCxnSpPr>
+        <p:spPr>
+          <a:xfrm>
+            <a:off x="7699375" y="4946650"/>
+            <a:ext cx="324000" cy="1588"/>
+          </a:xfrm>
+          <a:prstGeom prst="straightConnector1">
+            <a:avLst/>
+          </a:prstGeom>
+          <a:ln w="19050">
+            <a:solidFill>
+              <a:schemeClr val="tx1"/>
+            </a:solidFill>
+            <a:headEnd type="triangle"/>
+            <a:tailEnd type="none"/>
+          </a:ln>
+        </p:spPr>
+        <p:style>
+          <a:lnRef idx="1">
+            <a:schemeClr val="accent1"/>
+          </a:lnRef>
+          <a:fillRef idx="0">
+            <a:schemeClr val="accent1"/>
+          </a:fillRef>
+          <a:effectRef idx="0">
+            <a:schemeClr val="accent1"/>
+          </a:effectRef>
+          <a:fontRef idx="minor">
+            <a:schemeClr val="tx1"/>
+          </a:fontRef>
+        </p:style>
+      </p:cxnSp>
+      <p:sp>
+        <p:nvSpPr>
+          <p:cNvPr id="69" name="矩形 68"/>
+          <p:cNvSpPr/>
+          <p:nvPr/>
+        </p:nvSpPr>
+        <p:spPr>
+          <a:xfrm>
+            <a:off x="10887076" y="3190875"/>
+            <a:ext cx="761999" cy="689834"/>
+          </a:xfrm>
+          <a:prstGeom prst="rect">
+            <a:avLst/>
+          </a:prstGeom>
+          <a:solidFill>
+            <a:srgbClr val="EEECE1"/>
+          </a:solidFill>
+          <a:ln w="19050">
+            <a:solidFill>
+              <a:schemeClr val="tx1"/>
+            </a:solidFill>
+          </a:ln>
+        </p:spPr>
+        <p:style>
+          <a:lnRef idx="2">
+            <a:schemeClr val="accent1">
+              <a:shade val="50000"/>
+            </a:schemeClr>
+          </a:lnRef>
+          <a:fillRef idx="1">
+            <a:schemeClr val="accent1"/>
+          </a:fillRef>
+          <a:effectRef idx="0">
+            <a:schemeClr val="accent1"/>
+          </a:effectRef>
+          <a:fontRef idx="minor">
+            <a:schemeClr val="lt1"/>
+          </a:fontRef>
+        </p:style>
+        <p:txBody>
+          <a:bodyPr rtlCol="0" anchor="ctr"/>
+          <a:lstStyle/>
+          <a:p>
+            <a:pPr algn="ctr"/>
+            <a:r>
+              <a:rPr lang="zh-CN" altLang="en-US" dirty="0" smtClean="0">
+                <a:solidFill>
+                  <a:schemeClr val="tx1"/>
+                </a:solidFill>
+                <a:latin typeface="+mn-ea"/>
+              </a:rPr>
+              <a:t>奖励构造</a:t>
+            </a:r>
+            <a:endParaRPr lang="zh-CN" altLang="en-US" dirty="0">
+              <a:solidFill>
+                <a:schemeClr val="tx1"/>
+              </a:solidFill>
+              <a:latin typeface="+mn-ea"/>
+            </a:endParaRPr>
+          </a:p>
+        </p:txBody>
+      </p:sp>
+      <p:cxnSp>
+        <p:nvCxnSpPr>
+          <p:cNvPr id="71" name="直接箭头连接符 70"/>
+          <p:cNvCxnSpPr/>
+          <p:nvPr/>
+        </p:nvCxnSpPr>
+        <p:spPr>
+          <a:xfrm rot="16200000" flipH="1">
+            <a:off x="11018838" y="3008313"/>
+            <a:ext cx="361950" cy="3175"/>
+          </a:xfrm>
+          <a:prstGeom prst="straightConnector1">
+            <a:avLst/>
+          </a:prstGeom>
+          <a:ln w="19050">
+            <a:solidFill>
+              <a:schemeClr val="tx1"/>
+            </a:solidFill>
+            <a:tailEnd type="triangle"/>
+          </a:ln>
+        </p:spPr>
+        <p:style>
+          <a:lnRef idx="1">
+            <a:schemeClr val="accent1"/>
+          </a:lnRef>
+          <a:fillRef idx="0">
+            <a:schemeClr val="accent1"/>
+          </a:fillRef>
+          <a:effectRef idx="0">
+            <a:schemeClr val="accent1"/>
+          </a:effectRef>
+          <a:fontRef idx="minor">
+            <a:schemeClr val="tx1"/>
+          </a:fontRef>
+        </p:style>
+      </p:cxnSp>
+      <p:cxnSp>
+        <p:nvCxnSpPr>
+          <p:cNvPr id="74" name="直接箭头连接符 73"/>
+          <p:cNvCxnSpPr/>
+          <p:nvPr/>
+        </p:nvCxnSpPr>
+        <p:spPr>
+          <a:xfrm>
+            <a:off x="10642600" y="3498850"/>
+            <a:ext cx="252000" cy="1588"/>
+          </a:xfrm>
+          <a:prstGeom prst="straightConnector1">
+            <a:avLst/>
+          </a:prstGeom>
+          <a:ln w="19050">
+            <a:solidFill>
+              <a:schemeClr val="tx1"/>
+            </a:solidFill>
+            <a:headEnd type="triangle"/>
+            <a:tailEnd type="none"/>
           </a:ln>
         </p:spPr>
         <p:style>
@@ -5249,7 +5462,7 @@
   <a:extraClrSchemeLst/>
   <a:extLst>
     <a:ext uri="{05A4C25C-085E-4340-85A3-A5531E510DB2}">
-      <thm15:themeFamily xmlns:thm15="http://schemas.microsoft.com/office/thememl/2012/main" xmlns="" name="Office Theme" id="{62F939B6-93AF-4DB8-9C6B-D6C7DFDC589F}" vid="{4A3C46E8-61CC-4603-A589-7422A47A8E4A}"/>
+      <thm15:themeFamily xmlns="" xmlns:thm15="http://schemas.microsoft.com/office/thememl/2012/main" name="Office Theme" id="{62F939B6-93AF-4DB8-9C6B-D6C7DFDC589F}" vid="{4A3C46E8-61CC-4603-A589-7422A47A8E4A}"/>
     </a:ext>
   </a:extLst>
 </a:theme>
